--- a/0-PRESENTATION_POWERPOINT/presentation_strat_connexion.pptx
+++ b/0-PRESENTATION_POWERPOINT/presentation_strat_connexion.pptx
@@ -5,16 +5,20 @@
     <p:sldMasterId id="2147483923" r:id="rId1"/>
   </p:sldMasterIdLst>
   <p:notesMasterIdLst>
-    <p:notesMasterId r:id="rId9"/>
+    <p:notesMasterId r:id="rId13"/>
   </p:notesMasterIdLst>
   <p:sldIdLst>
     <p:sldId id="256" r:id="rId2"/>
     <p:sldId id="257" r:id="rId3"/>
     <p:sldId id="284" r:id="rId4"/>
-    <p:sldId id="285" r:id="rId5"/>
-    <p:sldId id="319" r:id="rId6"/>
-    <p:sldId id="309" r:id="rId7"/>
-    <p:sldId id="310" r:id="rId8"/>
+    <p:sldId id="320" r:id="rId5"/>
+    <p:sldId id="321" r:id="rId6"/>
+    <p:sldId id="322" r:id="rId7"/>
+    <p:sldId id="323" r:id="rId8"/>
+    <p:sldId id="285" r:id="rId9"/>
+    <p:sldId id="319" r:id="rId10"/>
+    <p:sldId id="309" r:id="rId11"/>
+    <p:sldId id="310" r:id="rId12"/>
   </p:sldIdLst>
   <p:sldSz cx="12192000" cy="6858000"/>
   <p:notesSz cx="6858000" cy="9144000"/>
@@ -1070,7 +1074,7 @@
               <a:latin typeface="Arial" panose="020B0604020202020204" pitchFamily="34" charset="0"/>
               <a:cs typeface="Arial" panose="020B0604020202020204" pitchFamily="34" charset="0"/>
             </a:rPr>
-            <a:t>Question</a:t>
+            <a:t>Questions</a:t>
           </a:r>
           <a:endParaRPr lang="fr-FR" dirty="0"/>
         </a:p>
@@ -1098,6 +1102,29 @@
         </a:p>
       </dgm:t>
     </dgm:pt>
+    <dgm:pt modelId="{574B2D8E-62F9-4D03-B916-0306C86B6D46}">
+      <dgm:prSet phldrT="[Texte]"/>
+      <dgm:spPr/>
+      <dgm:t>
+        <a:bodyPr/>
+        <a:lstStyle/>
+        <a:p>
+          <a:r>
+            <a:rPr lang="fr-FR"/>
+            <a:t>Bilan / Recommandations</a:t>
+          </a:r>
+          <a:endParaRPr lang="fr-FR" dirty="0"/>
+        </a:p>
+      </dgm:t>
+    </dgm:pt>
+    <dgm:pt modelId="{29580141-CEE8-499B-8F51-ECB1CD90EF04}" type="parTrans" cxnId="{3135B807-A82D-4324-B36C-6959901AD1B9}">
+      <dgm:prSet/>
+      <dgm:spPr/>
+    </dgm:pt>
+    <dgm:pt modelId="{F69EFE1A-844A-4AAB-ABFB-6D5E57DE5B18}" type="sibTrans" cxnId="{3135B807-A82D-4324-B36C-6959901AD1B9}">
+      <dgm:prSet/>
+      <dgm:spPr/>
+    </dgm:pt>
     <dgm:pt modelId="{62D2C340-0C92-49E5-965B-5997A69F75DA}" type="pres">
       <dgm:prSet presAssocID="{CAF58717-2CA2-4946-96FA-E6F594FD428A}" presName="Name0" presStyleCnt="0">
         <dgm:presLayoutVars>
@@ -1117,7 +1144,7 @@
       <dgm:spPr/>
     </dgm:pt>
     <dgm:pt modelId="{9377D85C-1950-4E52-857E-36DDC919B3C3}" type="pres">
-      <dgm:prSet presAssocID="{CAF58717-2CA2-4946-96FA-E6F594FD428A}" presName="srcNode" presStyleLbl="node1" presStyleIdx="0" presStyleCnt="5"/>
+      <dgm:prSet presAssocID="{CAF58717-2CA2-4946-96FA-E6F594FD428A}" presName="srcNode" presStyleLbl="node1" presStyleIdx="0" presStyleCnt="6"/>
       <dgm:spPr/>
     </dgm:pt>
     <dgm:pt modelId="{55BDC51A-ADDA-4CF5-B880-4FF9929CBE77}" type="pres">
@@ -1125,15 +1152,15 @@
       <dgm:spPr/>
     </dgm:pt>
     <dgm:pt modelId="{50B90D1B-F7D9-4FC9-927C-8C08301F561E}" type="pres">
-      <dgm:prSet presAssocID="{CAF58717-2CA2-4946-96FA-E6F594FD428A}" presName="extraNode" presStyleLbl="node1" presStyleIdx="0" presStyleCnt="5"/>
+      <dgm:prSet presAssocID="{CAF58717-2CA2-4946-96FA-E6F594FD428A}" presName="extraNode" presStyleLbl="node1" presStyleIdx="0" presStyleCnt="6"/>
       <dgm:spPr/>
     </dgm:pt>
     <dgm:pt modelId="{BA713EF7-C5CD-4E77-A7DF-95D3BB7C732B}" type="pres">
-      <dgm:prSet presAssocID="{CAF58717-2CA2-4946-96FA-E6F594FD428A}" presName="dstNode" presStyleLbl="node1" presStyleIdx="0" presStyleCnt="5"/>
+      <dgm:prSet presAssocID="{CAF58717-2CA2-4946-96FA-E6F594FD428A}" presName="dstNode" presStyleLbl="node1" presStyleIdx="0" presStyleCnt="6"/>
       <dgm:spPr/>
     </dgm:pt>
     <dgm:pt modelId="{E093BE16-1D22-479B-8037-0A5ED29AB5C3}" type="pres">
-      <dgm:prSet presAssocID="{0F402DF0-6E05-4A40-8507-1E4684EA8C93}" presName="text_1" presStyleLbl="node1" presStyleIdx="0" presStyleCnt="5">
+      <dgm:prSet presAssocID="{0F402DF0-6E05-4A40-8507-1E4684EA8C93}" presName="text_1" presStyleLbl="node1" presStyleIdx="0" presStyleCnt="6">
         <dgm:presLayoutVars>
           <dgm:bulletEnabled val="1"/>
         </dgm:presLayoutVars>
@@ -1145,87 +1172,105 @@
       <dgm:spPr/>
     </dgm:pt>
     <dgm:pt modelId="{53FB057A-5CFB-4F7C-B81F-6C59DEAFF1B8}" type="pres">
-      <dgm:prSet presAssocID="{0F402DF0-6E05-4A40-8507-1E4684EA8C93}" presName="accentRepeatNode" presStyleLbl="solidFgAcc1" presStyleIdx="0" presStyleCnt="5"/>
+      <dgm:prSet presAssocID="{0F402DF0-6E05-4A40-8507-1E4684EA8C93}" presName="accentRepeatNode" presStyleLbl="solidFgAcc1" presStyleIdx="0" presStyleCnt="6"/>
       <dgm:spPr/>
     </dgm:pt>
-    <dgm:pt modelId="{207F21DA-3CF9-447A-94BC-F18EC1B2E79F}" type="pres">
-      <dgm:prSet presAssocID="{E94ADFC6-24F5-496A-9D00-728511D24714}" presName="text_2" presStyleLbl="node1" presStyleIdx="1" presStyleCnt="5">
+    <dgm:pt modelId="{5CC804D0-309C-450C-A17A-6D493802CC2A}" type="pres">
+      <dgm:prSet presAssocID="{574B2D8E-62F9-4D03-B916-0306C86B6D46}" presName="text_2" presStyleLbl="node1" presStyleIdx="1" presStyleCnt="6">
         <dgm:presLayoutVars>
           <dgm:bulletEnabled val="1"/>
         </dgm:presLayoutVars>
       </dgm:prSet>
       <dgm:spPr/>
     </dgm:pt>
-    <dgm:pt modelId="{B03DE790-061E-4376-9219-ECEF56D4FE21}" type="pres">
-      <dgm:prSet presAssocID="{E94ADFC6-24F5-496A-9D00-728511D24714}" presName="accent_2" presStyleCnt="0"/>
+    <dgm:pt modelId="{A4A06ACF-19F9-43A4-AC58-73B7C27E8ACF}" type="pres">
+      <dgm:prSet presAssocID="{574B2D8E-62F9-4D03-B916-0306C86B6D46}" presName="accent_2" presStyleCnt="0"/>
       <dgm:spPr/>
     </dgm:pt>
-    <dgm:pt modelId="{880304A3-6645-4649-9ABF-AADA5F7D5FE8}" type="pres">
-      <dgm:prSet presAssocID="{E94ADFC6-24F5-496A-9D00-728511D24714}" presName="accentRepeatNode" presStyleLbl="solidFgAcc1" presStyleIdx="1" presStyleCnt="5"/>
+    <dgm:pt modelId="{F8F069C1-9645-4833-8743-347D1C543769}" type="pres">
+      <dgm:prSet presAssocID="{574B2D8E-62F9-4D03-B916-0306C86B6D46}" presName="accentRepeatNode" presStyleLbl="solidFgAcc1" presStyleIdx="1" presStyleCnt="6"/>
       <dgm:spPr/>
     </dgm:pt>
-    <dgm:pt modelId="{A4A3854E-CA93-4EEF-A655-5E7789573705}" type="pres">
-      <dgm:prSet presAssocID="{9A6C50A2-E466-4631-9273-704CA0DC0A71}" presName="text_3" presStyleLbl="node1" presStyleIdx="2" presStyleCnt="5" custLinFactNeighborX="40" custLinFactNeighborY="-858">
+    <dgm:pt modelId="{FF1B63BB-292F-404F-8A70-9961DFDEA820}" type="pres">
+      <dgm:prSet presAssocID="{E94ADFC6-24F5-496A-9D00-728511D24714}" presName="text_3" presStyleLbl="node1" presStyleIdx="2" presStyleCnt="6">
         <dgm:presLayoutVars>
           <dgm:bulletEnabled val="1"/>
         </dgm:presLayoutVars>
       </dgm:prSet>
       <dgm:spPr/>
     </dgm:pt>
-    <dgm:pt modelId="{DEECD47D-EFFE-4511-9193-D2577DFD816F}" type="pres">
-      <dgm:prSet presAssocID="{9A6C50A2-E466-4631-9273-704CA0DC0A71}" presName="accent_3" presStyleCnt="0"/>
+    <dgm:pt modelId="{A0BAE13B-776F-4BD8-9FB0-183469486A2A}" type="pres">
+      <dgm:prSet presAssocID="{E94ADFC6-24F5-496A-9D00-728511D24714}" presName="accent_3" presStyleCnt="0"/>
       <dgm:spPr/>
     </dgm:pt>
-    <dgm:pt modelId="{E769AB44-8BA8-4694-9B86-BD37730473DF}" type="pres">
-      <dgm:prSet presAssocID="{9A6C50A2-E466-4631-9273-704CA0DC0A71}" presName="accentRepeatNode" presStyleLbl="solidFgAcc1" presStyleIdx="2" presStyleCnt="5"/>
+    <dgm:pt modelId="{880304A3-6645-4649-9ABF-AADA5F7D5FE8}" type="pres">
+      <dgm:prSet presAssocID="{E94ADFC6-24F5-496A-9D00-728511D24714}" presName="accentRepeatNode" presStyleLbl="solidFgAcc1" presStyleIdx="2" presStyleCnt="6"/>
       <dgm:spPr/>
     </dgm:pt>
-    <dgm:pt modelId="{3D5BE587-7128-435E-B0CC-7A187B01C111}" type="pres">
-      <dgm:prSet presAssocID="{7F009EA4-B1C9-4A03-8D5A-95706CA1ACCA}" presName="text_4" presStyleLbl="node1" presStyleIdx="3" presStyleCnt="5">
+    <dgm:pt modelId="{CBDD1FB5-0A40-430D-BEB0-F7EED382143F}" type="pres">
+      <dgm:prSet presAssocID="{9A6C50A2-E466-4631-9273-704CA0DC0A71}" presName="text_4" presStyleLbl="node1" presStyleIdx="3" presStyleCnt="6">
         <dgm:presLayoutVars>
           <dgm:bulletEnabled val="1"/>
         </dgm:presLayoutVars>
       </dgm:prSet>
       <dgm:spPr/>
     </dgm:pt>
-    <dgm:pt modelId="{72E40F51-3BB6-4DD3-A1B8-8E3F8EEF7D2C}" type="pres">
-      <dgm:prSet presAssocID="{7F009EA4-B1C9-4A03-8D5A-95706CA1ACCA}" presName="accent_4" presStyleCnt="0"/>
+    <dgm:pt modelId="{F20E871E-2B42-446C-936B-1D054018DF5C}" type="pres">
+      <dgm:prSet presAssocID="{9A6C50A2-E466-4631-9273-704CA0DC0A71}" presName="accent_4" presStyleCnt="0"/>
       <dgm:spPr/>
     </dgm:pt>
-    <dgm:pt modelId="{DB0A1E19-0F50-4825-AE05-5274795BA579}" type="pres">
-      <dgm:prSet presAssocID="{7F009EA4-B1C9-4A03-8D5A-95706CA1ACCA}" presName="accentRepeatNode" presStyleLbl="solidFgAcc1" presStyleIdx="3" presStyleCnt="5"/>
+    <dgm:pt modelId="{E769AB44-8BA8-4694-9B86-BD37730473DF}" type="pres">
+      <dgm:prSet presAssocID="{9A6C50A2-E466-4631-9273-704CA0DC0A71}" presName="accentRepeatNode" presStyleLbl="solidFgAcc1" presStyleIdx="3" presStyleCnt="6"/>
       <dgm:spPr/>
     </dgm:pt>
-    <dgm:pt modelId="{966999D7-DD6B-4B01-9B45-802FE1A3E336}" type="pres">
-      <dgm:prSet presAssocID="{81819CFE-BBD3-40ED-834D-DEE8AAA61C06}" presName="text_5" presStyleLbl="node1" presStyleIdx="4" presStyleCnt="5">
+    <dgm:pt modelId="{D2AB782D-5307-49BB-9966-3F6C1D1FCC19}" type="pres">
+      <dgm:prSet presAssocID="{7F009EA4-B1C9-4A03-8D5A-95706CA1ACCA}" presName="text_5" presStyleLbl="node1" presStyleIdx="4" presStyleCnt="6">
         <dgm:presLayoutVars>
           <dgm:bulletEnabled val="1"/>
         </dgm:presLayoutVars>
       </dgm:prSet>
       <dgm:spPr/>
     </dgm:pt>
-    <dgm:pt modelId="{7C49E097-19FE-4752-B569-E95F7BF3B7D8}" type="pres">
-      <dgm:prSet presAssocID="{81819CFE-BBD3-40ED-834D-DEE8AAA61C06}" presName="accent_5" presStyleCnt="0"/>
+    <dgm:pt modelId="{3568D048-F9EE-42E0-B363-EB2E1900991A}" type="pres">
+      <dgm:prSet presAssocID="{7F009EA4-B1C9-4A03-8D5A-95706CA1ACCA}" presName="accent_5" presStyleCnt="0"/>
+      <dgm:spPr/>
+    </dgm:pt>
+    <dgm:pt modelId="{DB0A1E19-0F50-4825-AE05-5274795BA579}" type="pres">
+      <dgm:prSet presAssocID="{7F009EA4-B1C9-4A03-8D5A-95706CA1ACCA}" presName="accentRepeatNode" presStyleLbl="solidFgAcc1" presStyleIdx="4" presStyleCnt="6"/>
+      <dgm:spPr/>
+    </dgm:pt>
+    <dgm:pt modelId="{76DEF4BD-9935-4BE1-ADF6-B70438FA7984}" type="pres">
+      <dgm:prSet presAssocID="{81819CFE-BBD3-40ED-834D-DEE8AAA61C06}" presName="text_6" presStyleLbl="node1" presStyleIdx="5" presStyleCnt="6">
+        <dgm:presLayoutVars>
+          <dgm:bulletEnabled val="1"/>
+        </dgm:presLayoutVars>
+      </dgm:prSet>
+      <dgm:spPr/>
+    </dgm:pt>
+    <dgm:pt modelId="{CCB6B7CC-E74C-40C6-9CD9-BD4FD8C3A74C}" type="pres">
+      <dgm:prSet presAssocID="{81819CFE-BBD3-40ED-834D-DEE8AAA61C06}" presName="accent_6" presStyleCnt="0"/>
       <dgm:spPr/>
     </dgm:pt>
     <dgm:pt modelId="{FD86333B-4FFF-43B4-8174-3BEB42F31D87}" type="pres">
-      <dgm:prSet presAssocID="{81819CFE-BBD3-40ED-834D-DEE8AAA61C06}" presName="accentRepeatNode" presStyleLbl="solidFgAcc1" presStyleIdx="4" presStyleCnt="5"/>
+      <dgm:prSet presAssocID="{81819CFE-BBD3-40ED-834D-DEE8AAA61C06}" presName="accentRepeatNode" presStyleLbl="solidFgAcc1" presStyleIdx="5" presStyleCnt="6"/>
       <dgm:spPr/>
     </dgm:pt>
   </dgm:ptLst>
   <dgm:cxnLst>
+    <dgm:cxn modelId="{3135B807-A82D-4324-B36C-6959901AD1B9}" srcId="{CAF58717-2CA2-4946-96FA-E6F594FD428A}" destId="{574B2D8E-62F9-4D03-B916-0306C86B6D46}" srcOrd="1" destOrd="0" parTransId="{29580141-CEE8-499B-8F51-ECB1CD90EF04}" sibTransId="{F69EFE1A-844A-4AAB-ABFB-6D5E57DE5B18}"/>
+    <dgm:cxn modelId="{BD5E8A0B-328C-4DEE-AF29-0AEE15B98059}" type="presOf" srcId="{81819CFE-BBD3-40ED-834D-DEE8AAA61C06}" destId="{76DEF4BD-9935-4BE1-ADF6-B70438FA7984}" srcOrd="0" destOrd="0" presId="urn:microsoft.com/office/officeart/2008/layout/VerticalCurvedList"/>
     <dgm:cxn modelId="{F4464A20-5480-4123-BA5C-36F77B08F12F}" type="presOf" srcId="{CAF58717-2CA2-4946-96FA-E6F594FD428A}" destId="{62D2C340-0C92-49E5-965B-5997A69F75DA}" srcOrd="0" destOrd="0" presId="urn:microsoft.com/office/officeart/2008/layout/VerticalCurvedList"/>
-    <dgm:cxn modelId="{16757C22-C525-4CDF-A48D-C8FCA7B4CD44}" srcId="{CAF58717-2CA2-4946-96FA-E6F594FD428A}" destId="{7F009EA4-B1C9-4A03-8D5A-95706CA1ACCA}" srcOrd="3" destOrd="0" parTransId="{DAA62F6A-0D4D-4FA4-A39C-86A386313982}" sibTransId="{9BF82615-7507-420C-8FC9-8224A5EF905D}"/>
+    <dgm:cxn modelId="{16757C22-C525-4CDF-A48D-C8FCA7B4CD44}" srcId="{CAF58717-2CA2-4946-96FA-E6F594FD428A}" destId="{7F009EA4-B1C9-4A03-8D5A-95706CA1ACCA}" srcOrd="4" destOrd="0" parTransId="{DAA62F6A-0D4D-4FA4-A39C-86A386313982}" sibTransId="{9BF82615-7507-420C-8FC9-8224A5EF905D}"/>
     <dgm:cxn modelId="{DB1F7661-21C6-4654-A28D-BFA73518E0E5}" type="presOf" srcId="{BA6BBDE9-5B85-440E-B745-26A22107782E}" destId="{55BDC51A-ADDA-4CF5-B880-4FF9929CBE77}" srcOrd="0" destOrd="0" presId="urn:microsoft.com/office/officeart/2008/layout/VerticalCurvedList"/>
-    <dgm:cxn modelId="{37700470-8F4B-4D73-B272-3147084BED00}" type="presOf" srcId="{81819CFE-BBD3-40ED-834D-DEE8AAA61C06}" destId="{966999D7-DD6B-4B01-9B45-802FE1A3E336}" srcOrd="0" destOrd="0" presId="urn:microsoft.com/office/officeart/2008/layout/VerticalCurvedList"/>
-    <dgm:cxn modelId="{2C437453-1AA9-4DA6-9155-74F139BFBA32}" srcId="{CAF58717-2CA2-4946-96FA-E6F594FD428A}" destId="{9A6C50A2-E466-4631-9273-704CA0DC0A71}" srcOrd="2" destOrd="0" parTransId="{4A7AAADF-E91D-4F8E-8B9E-5E170C8D3F7D}" sibTransId="{ECE3D972-9AD4-4E9B-B9E4-0DEB0B5AE92C}"/>
-    <dgm:cxn modelId="{4EA4EB80-4FC1-42BA-9FD3-90E8D828F536}" type="presOf" srcId="{E94ADFC6-24F5-496A-9D00-728511D24714}" destId="{207F21DA-3CF9-447A-94BC-F18EC1B2E79F}" srcOrd="0" destOrd="0" presId="urn:microsoft.com/office/officeart/2008/layout/VerticalCurvedList"/>
-    <dgm:cxn modelId="{98A26992-B641-470A-A8CE-C9E54B11ED09}" srcId="{CAF58717-2CA2-4946-96FA-E6F594FD428A}" destId="{E94ADFC6-24F5-496A-9D00-728511D24714}" srcOrd="1" destOrd="0" parTransId="{D74DE341-E2FB-41CE-877F-2484BD77B968}" sibTransId="{3899DC3C-5B45-466A-A854-7DE45A4D9362}"/>
+    <dgm:cxn modelId="{2C437453-1AA9-4DA6-9155-74F139BFBA32}" srcId="{CAF58717-2CA2-4946-96FA-E6F594FD428A}" destId="{9A6C50A2-E466-4631-9273-704CA0DC0A71}" srcOrd="3" destOrd="0" parTransId="{4A7AAADF-E91D-4F8E-8B9E-5E170C8D3F7D}" sibTransId="{ECE3D972-9AD4-4E9B-B9E4-0DEB0B5AE92C}"/>
+    <dgm:cxn modelId="{98A26992-B641-470A-A8CE-C9E54B11ED09}" srcId="{CAF58717-2CA2-4946-96FA-E6F594FD428A}" destId="{E94ADFC6-24F5-496A-9D00-728511D24714}" srcOrd="2" destOrd="0" parTransId="{D74DE341-E2FB-41CE-877F-2484BD77B968}" sibTransId="{3899DC3C-5B45-466A-A854-7DE45A4D9362}"/>
+    <dgm:cxn modelId="{A1CE3DAD-97A9-4B1D-A8F2-FBC48CB297D0}" type="presOf" srcId="{9A6C50A2-E466-4631-9273-704CA0DC0A71}" destId="{CBDD1FB5-0A40-430D-BEB0-F7EED382143F}" srcOrd="0" destOrd="0" presId="urn:microsoft.com/office/officeart/2008/layout/VerticalCurvedList"/>
     <dgm:cxn modelId="{8FE0A7BC-9638-42ED-B22D-EA3FBA18CC1B}" type="presOf" srcId="{0F402DF0-6E05-4A40-8507-1E4684EA8C93}" destId="{E093BE16-1D22-479B-8037-0A5ED29AB5C3}" srcOrd="0" destOrd="0" presId="urn:microsoft.com/office/officeart/2008/layout/VerticalCurvedList"/>
-    <dgm:cxn modelId="{7BAA6FC1-073C-4E46-BC05-9F7D6CB5AA69}" type="presOf" srcId="{9A6C50A2-E466-4631-9273-704CA0DC0A71}" destId="{A4A3854E-CA93-4EEF-A655-5E7789573705}" srcOrd="0" destOrd="0" presId="urn:microsoft.com/office/officeart/2008/layout/VerticalCurvedList"/>
-    <dgm:cxn modelId="{3E8851E4-BC4C-4AA3-A72F-320BD7A6C488}" srcId="{CAF58717-2CA2-4946-96FA-E6F594FD428A}" destId="{81819CFE-BBD3-40ED-834D-DEE8AAA61C06}" srcOrd="4" destOrd="0" parTransId="{F0071653-9273-471C-BFAD-695EEE650064}" sibTransId="{32AAFDAF-1B09-423F-98D6-D761DCA817A6}"/>
+    <dgm:cxn modelId="{63F202DF-8BF7-47FF-B02E-3D3EF3EC7126}" type="presOf" srcId="{E94ADFC6-24F5-496A-9D00-728511D24714}" destId="{FF1B63BB-292F-404F-8A70-9961DFDEA820}" srcOrd="0" destOrd="0" presId="urn:microsoft.com/office/officeart/2008/layout/VerticalCurvedList"/>
+    <dgm:cxn modelId="{3E8851E4-BC4C-4AA3-A72F-320BD7A6C488}" srcId="{CAF58717-2CA2-4946-96FA-E6F594FD428A}" destId="{81819CFE-BBD3-40ED-834D-DEE8AAA61C06}" srcOrd="5" destOrd="0" parTransId="{F0071653-9273-471C-BFAD-695EEE650064}" sibTransId="{32AAFDAF-1B09-423F-98D6-D761DCA817A6}"/>
+    <dgm:cxn modelId="{698C96EA-FFC0-4E4B-8F72-56899FDB7E44}" type="presOf" srcId="{574B2D8E-62F9-4D03-B916-0306C86B6D46}" destId="{5CC804D0-309C-450C-A17A-6D493802CC2A}" srcOrd="0" destOrd="0" presId="urn:microsoft.com/office/officeart/2008/layout/VerticalCurvedList"/>
     <dgm:cxn modelId="{6DF823EE-A884-4E35-81B1-0C308B205026}" srcId="{CAF58717-2CA2-4946-96FA-E6F594FD428A}" destId="{0F402DF0-6E05-4A40-8507-1E4684EA8C93}" srcOrd="0" destOrd="0" parTransId="{D5EB46A1-6F4E-4A20-B076-1DC56A6E1577}" sibTransId="{BA6BBDE9-5B85-440E-B745-26A22107782E}"/>
-    <dgm:cxn modelId="{7ECE11F5-BDEC-456D-86C7-473EFC862EF6}" type="presOf" srcId="{7F009EA4-B1C9-4A03-8D5A-95706CA1ACCA}" destId="{3D5BE587-7128-435E-B0CC-7A187B01C111}" srcOrd="0" destOrd="0" presId="urn:microsoft.com/office/officeart/2008/layout/VerticalCurvedList"/>
+    <dgm:cxn modelId="{414302F6-86B8-4EFE-BB93-62E31CDE84DF}" type="presOf" srcId="{7F009EA4-B1C9-4A03-8D5A-95706CA1ACCA}" destId="{D2AB782D-5307-49BB-9966-3F6C1D1FCC19}" srcOrd="0" destOrd="0" presId="urn:microsoft.com/office/officeart/2008/layout/VerticalCurvedList"/>
     <dgm:cxn modelId="{6622FB32-3287-4619-9822-80403A39169A}" type="presParOf" srcId="{62D2C340-0C92-49E5-965B-5997A69F75DA}" destId="{00E2524D-362F-4E7E-9CAA-ECF79B7D84BA}" srcOrd="0" destOrd="0" presId="urn:microsoft.com/office/officeart/2008/layout/VerticalCurvedList"/>
     <dgm:cxn modelId="{D0D483A6-A06C-4C7A-A82F-6F5298C068AF}" type="presParOf" srcId="{00E2524D-362F-4E7E-9CAA-ECF79B7D84BA}" destId="{247BCBED-C14F-49A8-B6F1-58648EC8E6B3}" srcOrd="0" destOrd="0" presId="urn:microsoft.com/office/officeart/2008/layout/VerticalCurvedList"/>
     <dgm:cxn modelId="{032A7562-7ECE-48DC-85F6-3AAE3597F6C4}" type="presParOf" srcId="{247BCBED-C14F-49A8-B6F1-58648EC8E6B3}" destId="{9377D85C-1950-4E52-857E-36DDC919B3C3}" srcOrd="0" destOrd="0" presId="urn:microsoft.com/office/officeart/2008/layout/VerticalCurvedList"/>
@@ -1235,18 +1280,21 @@
     <dgm:cxn modelId="{C5683BE0-2B22-4E3A-A5C3-B9DA99611AB9}" type="presParOf" srcId="{00E2524D-362F-4E7E-9CAA-ECF79B7D84BA}" destId="{E093BE16-1D22-479B-8037-0A5ED29AB5C3}" srcOrd="1" destOrd="0" presId="urn:microsoft.com/office/officeart/2008/layout/VerticalCurvedList"/>
     <dgm:cxn modelId="{E001FBBB-012C-4374-8726-6F9C41A6B3DA}" type="presParOf" srcId="{00E2524D-362F-4E7E-9CAA-ECF79B7D84BA}" destId="{29FE2EAB-202D-4122-905B-7A288BAAB1A5}" srcOrd="2" destOrd="0" presId="urn:microsoft.com/office/officeart/2008/layout/VerticalCurvedList"/>
     <dgm:cxn modelId="{588E6694-1E00-4F41-A41C-6FA88178BAF4}" type="presParOf" srcId="{29FE2EAB-202D-4122-905B-7A288BAAB1A5}" destId="{53FB057A-5CFB-4F7C-B81F-6C59DEAFF1B8}" srcOrd="0" destOrd="0" presId="urn:microsoft.com/office/officeart/2008/layout/VerticalCurvedList"/>
-    <dgm:cxn modelId="{5DE8CD4E-17E8-4502-8F04-62102A9C867A}" type="presParOf" srcId="{00E2524D-362F-4E7E-9CAA-ECF79B7D84BA}" destId="{207F21DA-3CF9-447A-94BC-F18EC1B2E79F}" srcOrd="3" destOrd="0" presId="urn:microsoft.com/office/officeart/2008/layout/VerticalCurvedList"/>
-    <dgm:cxn modelId="{A3AE3620-4271-4DF2-A5F5-EEC705BC8723}" type="presParOf" srcId="{00E2524D-362F-4E7E-9CAA-ECF79B7D84BA}" destId="{B03DE790-061E-4376-9219-ECEF56D4FE21}" srcOrd="4" destOrd="0" presId="urn:microsoft.com/office/officeart/2008/layout/VerticalCurvedList"/>
-    <dgm:cxn modelId="{EC4AACD9-68D7-418C-99C1-883EBCE25A1C}" type="presParOf" srcId="{B03DE790-061E-4376-9219-ECEF56D4FE21}" destId="{880304A3-6645-4649-9ABF-AADA5F7D5FE8}" srcOrd="0" destOrd="0" presId="urn:microsoft.com/office/officeart/2008/layout/VerticalCurvedList"/>
-    <dgm:cxn modelId="{95316AF8-689B-41F4-AEBA-0CDC53EBE1F9}" type="presParOf" srcId="{00E2524D-362F-4E7E-9CAA-ECF79B7D84BA}" destId="{A4A3854E-CA93-4EEF-A655-5E7789573705}" srcOrd="5" destOrd="0" presId="urn:microsoft.com/office/officeart/2008/layout/VerticalCurvedList"/>
-    <dgm:cxn modelId="{7ED258DE-A86C-40A6-90AE-8F925D0B477A}" type="presParOf" srcId="{00E2524D-362F-4E7E-9CAA-ECF79B7D84BA}" destId="{DEECD47D-EFFE-4511-9193-D2577DFD816F}" srcOrd="6" destOrd="0" presId="urn:microsoft.com/office/officeart/2008/layout/VerticalCurvedList"/>
-    <dgm:cxn modelId="{EC50C5BC-816D-4050-A76D-1268C2B71F6E}" type="presParOf" srcId="{DEECD47D-EFFE-4511-9193-D2577DFD816F}" destId="{E769AB44-8BA8-4694-9B86-BD37730473DF}" srcOrd="0" destOrd="0" presId="urn:microsoft.com/office/officeart/2008/layout/VerticalCurvedList"/>
-    <dgm:cxn modelId="{F57810E8-4896-4F91-8728-2332DCFACB6B}" type="presParOf" srcId="{00E2524D-362F-4E7E-9CAA-ECF79B7D84BA}" destId="{3D5BE587-7128-435E-B0CC-7A187B01C111}" srcOrd="7" destOrd="0" presId="urn:microsoft.com/office/officeart/2008/layout/VerticalCurvedList"/>
-    <dgm:cxn modelId="{4352EDD1-7066-4171-871C-CEC83A49A271}" type="presParOf" srcId="{00E2524D-362F-4E7E-9CAA-ECF79B7D84BA}" destId="{72E40F51-3BB6-4DD3-A1B8-8E3F8EEF7D2C}" srcOrd="8" destOrd="0" presId="urn:microsoft.com/office/officeart/2008/layout/VerticalCurvedList"/>
-    <dgm:cxn modelId="{C00D51C4-005D-4FA2-8F39-6CF502E97F9F}" type="presParOf" srcId="{72E40F51-3BB6-4DD3-A1B8-8E3F8EEF7D2C}" destId="{DB0A1E19-0F50-4825-AE05-5274795BA579}" srcOrd="0" destOrd="0" presId="urn:microsoft.com/office/officeart/2008/layout/VerticalCurvedList"/>
-    <dgm:cxn modelId="{EB0EF82F-D0F3-4ACF-BDBC-179FCD34CCD3}" type="presParOf" srcId="{00E2524D-362F-4E7E-9CAA-ECF79B7D84BA}" destId="{966999D7-DD6B-4B01-9B45-802FE1A3E336}" srcOrd="9" destOrd="0" presId="urn:microsoft.com/office/officeart/2008/layout/VerticalCurvedList"/>
-    <dgm:cxn modelId="{57FACCA7-DF1E-4F04-AB5F-E89C989D4D61}" type="presParOf" srcId="{00E2524D-362F-4E7E-9CAA-ECF79B7D84BA}" destId="{7C49E097-19FE-4752-B569-E95F7BF3B7D8}" srcOrd="10" destOrd="0" presId="urn:microsoft.com/office/officeart/2008/layout/VerticalCurvedList"/>
-    <dgm:cxn modelId="{064D5103-D904-4CF7-A8EB-07E0B7DCDE92}" type="presParOf" srcId="{7C49E097-19FE-4752-B569-E95F7BF3B7D8}" destId="{FD86333B-4FFF-43B4-8174-3BEB42F31D87}" srcOrd="0" destOrd="0" presId="urn:microsoft.com/office/officeart/2008/layout/VerticalCurvedList"/>
+    <dgm:cxn modelId="{81E595CB-D11F-4EF3-809B-D34401AD06F3}" type="presParOf" srcId="{00E2524D-362F-4E7E-9CAA-ECF79B7D84BA}" destId="{5CC804D0-309C-450C-A17A-6D493802CC2A}" srcOrd="3" destOrd="0" presId="urn:microsoft.com/office/officeart/2008/layout/VerticalCurvedList"/>
+    <dgm:cxn modelId="{785199D1-D202-41C0-AD2E-1837C6F8743A}" type="presParOf" srcId="{00E2524D-362F-4E7E-9CAA-ECF79B7D84BA}" destId="{A4A06ACF-19F9-43A4-AC58-73B7C27E8ACF}" srcOrd="4" destOrd="0" presId="urn:microsoft.com/office/officeart/2008/layout/VerticalCurvedList"/>
+    <dgm:cxn modelId="{85124CB1-20FB-4DD8-BFE1-777AD607E9C0}" type="presParOf" srcId="{A4A06ACF-19F9-43A4-AC58-73B7C27E8ACF}" destId="{F8F069C1-9645-4833-8743-347D1C543769}" srcOrd="0" destOrd="0" presId="urn:microsoft.com/office/officeart/2008/layout/VerticalCurvedList"/>
+    <dgm:cxn modelId="{D5AC59CE-3E2D-4EE7-904E-B7C5E352C94D}" type="presParOf" srcId="{00E2524D-362F-4E7E-9CAA-ECF79B7D84BA}" destId="{FF1B63BB-292F-404F-8A70-9961DFDEA820}" srcOrd="5" destOrd="0" presId="urn:microsoft.com/office/officeart/2008/layout/VerticalCurvedList"/>
+    <dgm:cxn modelId="{58A58DA0-C53B-41AA-B171-FD4056E3D4AC}" type="presParOf" srcId="{00E2524D-362F-4E7E-9CAA-ECF79B7D84BA}" destId="{A0BAE13B-776F-4BD8-9FB0-183469486A2A}" srcOrd="6" destOrd="0" presId="urn:microsoft.com/office/officeart/2008/layout/VerticalCurvedList"/>
+    <dgm:cxn modelId="{B7C72F3E-3408-43B5-B8E1-0DB82F42CC26}" type="presParOf" srcId="{A0BAE13B-776F-4BD8-9FB0-183469486A2A}" destId="{880304A3-6645-4649-9ABF-AADA5F7D5FE8}" srcOrd="0" destOrd="0" presId="urn:microsoft.com/office/officeart/2008/layout/VerticalCurvedList"/>
+    <dgm:cxn modelId="{002C7EF2-2060-4830-A261-A182175F4F7C}" type="presParOf" srcId="{00E2524D-362F-4E7E-9CAA-ECF79B7D84BA}" destId="{CBDD1FB5-0A40-430D-BEB0-F7EED382143F}" srcOrd="7" destOrd="0" presId="urn:microsoft.com/office/officeart/2008/layout/VerticalCurvedList"/>
+    <dgm:cxn modelId="{491073F2-31D7-4930-90F5-899CA45ACEBD}" type="presParOf" srcId="{00E2524D-362F-4E7E-9CAA-ECF79B7D84BA}" destId="{F20E871E-2B42-446C-936B-1D054018DF5C}" srcOrd="8" destOrd="0" presId="urn:microsoft.com/office/officeart/2008/layout/VerticalCurvedList"/>
+    <dgm:cxn modelId="{A4BED9D0-5974-409E-8492-D3DB88CA1FDD}" type="presParOf" srcId="{F20E871E-2B42-446C-936B-1D054018DF5C}" destId="{E769AB44-8BA8-4694-9B86-BD37730473DF}" srcOrd="0" destOrd="0" presId="urn:microsoft.com/office/officeart/2008/layout/VerticalCurvedList"/>
+    <dgm:cxn modelId="{9EE36D4D-CA4F-4F37-A706-DB2E5D60BDE3}" type="presParOf" srcId="{00E2524D-362F-4E7E-9CAA-ECF79B7D84BA}" destId="{D2AB782D-5307-49BB-9966-3F6C1D1FCC19}" srcOrd="9" destOrd="0" presId="urn:microsoft.com/office/officeart/2008/layout/VerticalCurvedList"/>
+    <dgm:cxn modelId="{21123B4F-F101-413C-BD1B-742358B3237E}" type="presParOf" srcId="{00E2524D-362F-4E7E-9CAA-ECF79B7D84BA}" destId="{3568D048-F9EE-42E0-B363-EB2E1900991A}" srcOrd="10" destOrd="0" presId="urn:microsoft.com/office/officeart/2008/layout/VerticalCurvedList"/>
+    <dgm:cxn modelId="{397402F3-60E5-4612-B70E-32F7F8D32D58}" type="presParOf" srcId="{3568D048-F9EE-42E0-B363-EB2E1900991A}" destId="{DB0A1E19-0F50-4825-AE05-5274795BA579}" srcOrd="0" destOrd="0" presId="urn:microsoft.com/office/officeart/2008/layout/VerticalCurvedList"/>
+    <dgm:cxn modelId="{91D4000E-6BED-4CBB-ACE3-37BCEF075261}" type="presParOf" srcId="{00E2524D-362F-4E7E-9CAA-ECF79B7D84BA}" destId="{76DEF4BD-9935-4BE1-ADF6-B70438FA7984}" srcOrd="11" destOrd="0" presId="urn:microsoft.com/office/officeart/2008/layout/VerticalCurvedList"/>
+    <dgm:cxn modelId="{147B9CC8-D215-4C44-9A0B-FB101CEA575E}" type="presParOf" srcId="{00E2524D-362F-4E7E-9CAA-ECF79B7D84BA}" destId="{CCB6B7CC-E74C-40C6-9CD9-BD4FD8C3A74C}" srcOrd="12" destOrd="0" presId="urn:microsoft.com/office/officeart/2008/layout/VerticalCurvedList"/>
+    <dgm:cxn modelId="{06FBDF89-59D9-4D15-80FB-69BB5B4586C8}" type="presParOf" srcId="{CCB6B7CC-E74C-40C6-9CD9-BD4FD8C3A74C}" destId="{FD86333B-4FFF-43B4-8174-3BEB42F31D87}" srcOrd="0" destOrd="0" presId="urn:microsoft.com/office/officeart/2008/layout/VerticalCurvedList"/>
   </dgm:cxnLst>
   <dgm:bg/>
   <dgm:whole/>
@@ -1322,8 +1370,8 @@
       </dsp:nvSpPr>
       <dsp:spPr>
         <a:xfrm>
-          <a:off x="394275" y="260502"/>
-          <a:ext cx="6998889" cy="521338"/>
+          <a:off x="336321" y="219559"/>
+          <a:ext cx="7056844" cy="438951"/>
         </a:xfrm>
         <a:prstGeom prst="rect">
           <a:avLst/>
@@ -1392,12 +1440,12 @@
         </a:fontRef>
       </dsp:style>
       <dsp:txBody>
-        <a:bodyPr spcFirstLastPara="0" vert="horz" wrap="square" lIns="413812" tIns="68580" rIns="68580" bIns="68580" numCol="1" spcCol="1270" anchor="ctr" anchorCtr="0">
+        <a:bodyPr spcFirstLastPara="0" vert="horz" wrap="square" lIns="348418" tIns="58420" rIns="58420" bIns="58420" numCol="1" spcCol="1270" anchor="ctr" anchorCtr="0">
           <a:noAutofit/>
         </a:bodyPr>
         <a:lstStyle/>
         <a:p>
-          <a:pPr marL="0" lvl="0" indent="0" algn="l" defTabSz="1200150">
+          <a:pPr marL="0" lvl="0" indent="0" algn="l" defTabSz="1022350">
             <a:lnSpc>
               <a:spcPct val="90000"/>
             </a:lnSpc>
@@ -1410,18 +1458,18 @@
             <a:buNone/>
           </a:pPr>
           <a:r>
-            <a:rPr lang="fr-FR" sz="2700" kern="1200" dirty="0">
+            <a:rPr lang="fr-FR" sz="2300" kern="1200" dirty="0">
               <a:latin typeface="Arial" panose="020B0604020202020204" pitchFamily="34" charset="0"/>
               <a:cs typeface="Arial" panose="020B0604020202020204" pitchFamily="34" charset="0"/>
             </a:rPr>
             <a:t>Présentation de l’activité</a:t>
           </a:r>
-          <a:endParaRPr lang="fr-FR" sz="2700" kern="1200" dirty="0"/>
+          <a:endParaRPr lang="fr-FR" sz="2300" kern="1200" dirty="0"/>
         </a:p>
       </dsp:txBody>
       <dsp:txXfrm>
-        <a:off x="394275" y="260502"/>
-        <a:ext cx="6998889" cy="521338"/>
+        <a:off x="336321" y="219559"/>
+        <a:ext cx="7056844" cy="438951"/>
       </dsp:txXfrm>
     </dsp:sp>
     <dsp:sp modelId="{53FB057A-5CFB-4F7C-B81F-6C59DEAFF1B8}">
@@ -1431,8 +1479,8 @@
       </dsp:nvSpPr>
       <dsp:spPr>
         <a:xfrm>
-          <a:off x="68438" y="195335"/>
-          <a:ext cx="651672" cy="651672"/>
+          <a:off x="61976" y="164690"/>
+          <a:ext cx="548689" cy="548689"/>
         </a:xfrm>
         <a:prstGeom prst="ellipse">
           <a:avLst/>
@@ -1472,15 +1520,15 @@
         <a:fontRef idx="minor"/>
       </dsp:style>
     </dsp:sp>
-    <dsp:sp modelId="{207F21DA-3CF9-447A-94BC-F18EC1B2E79F}">
+    <dsp:sp modelId="{5CC804D0-309C-450C-A17A-6D493802CC2A}">
       <dsp:nvSpPr>
         <dsp:cNvPr id="0" name=""/>
         <dsp:cNvSpPr/>
       </dsp:nvSpPr>
       <dsp:spPr>
         <a:xfrm>
-          <a:off x="767851" y="1042259"/>
-          <a:ext cx="6625314" cy="521338"/>
+          <a:off x="697388" y="877903"/>
+          <a:ext cx="6695776" cy="438951"/>
         </a:xfrm>
         <a:prstGeom prst="rect">
           <a:avLst/>
@@ -1549,12 +1597,12 @@
         </a:fontRef>
       </dsp:style>
       <dsp:txBody>
-        <a:bodyPr spcFirstLastPara="0" vert="horz" wrap="square" lIns="413812" tIns="68580" rIns="68580" bIns="68580" numCol="1" spcCol="1270" anchor="ctr" anchorCtr="0">
+        <a:bodyPr spcFirstLastPara="0" vert="horz" wrap="square" lIns="348418" tIns="58420" rIns="58420" bIns="58420" numCol="1" spcCol="1270" anchor="ctr" anchorCtr="0">
           <a:noAutofit/>
         </a:bodyPr>
         <a:lstStyle/>
         <a:p>
-          <a:pPr marL="0" lvl="0" indent="0" algn="l" defTabSz="1200150">
+          <a:pPr marL="0" lvl="0" indent="0" algn="l" defTabSz="1022350">
             <a:lnSpc>
               <a:spcPct val="90000"/>
             </a:lnSpc>
@@ -1567,29 +1615,26 @@
             <a:buNone/>
           </a:pPr>
           <a:r>
-            <a:rPr lang="fr-FR" sz="2700" kern="1200" dirty="0">
-              <a:latin typeface="Arial" panose="020B0604020202020204" pitchFamily="34" charset="0"/>
-              <a:cs typeface="Arial" panose="020B0604020202020204" pitchFamily="34" charset="0"/>
-            </a:rPr>
-            <a:t>Tableau de criticité</a:t>
+            <a:rPr lang="fr-FR" sz="2300" kern="1200"/>
+            <a:t>Bilan / Recommandations</a:t>
           </a:r>
-          <a:endParaRPr lang="fr-FR" sz="2700" kern="1200" dirty="0"/>
+          <a:endParaRPr lang="fr-FR" sz="2300" kern="1200" dirty="0"/>
         </a:p>
       </dsp:txBody>
       <dsp:txXfrm>
-        <a:off x="767851" y="1042259"/>
-        <a:ext cx="6625314" cy="521338"/>
+        <a:off x="697388" y="877903"/>
+        <a:ext cx="6695776" cy="438951"/>
       </dsp:txXfrm>
     </dsp:sp>
-    <dsp:sp modelId="{880304A3-6645-4649-9ABF-AADA5F7D5FE8}">
+    <dsp:sp modelId="{F8F069C1-9645-4833-8743-347D1C543769}">
       <dsp:nvSpPr>
         <dsp:cNvPr id="0" name=""/>
         <dsp:cNvSpPr/>
       </dsp:nvSpPr>
       <dsp:spPr>
         <a:xfrm>
-          <a:off x="442014" y="977092"/>
-          <a:ext cx="651672" cy="651672"/>
+          <a:off x="423044" y="823034"/>
+          <a:ext cx="548689" cy="548689"/>
         </a:xfrm>
         <a:prstGeom prst="ellipse">
           <a:avLst/>
@@ -1629,15 +1674,15 @@
         <a:fontRef idx="minor"/>
       </dsp:style>
     </dsp:sp>
-    <dsp:sp modelId="{A4A3854E-CA93-4EEF-A655-5E7789573705}">
+    <dsp:sp modelId="{FF1B63BB-292F-404F-8A70-9961DFDEA820}">
       <dsp:nvSpPr>
         <dsp:cNvPr id="0" name=""/>
         <dsp:cNvSpPr/>
       </dsp:nvSpPr>
       <dsp:spPr>
         <a:xfrm>
-          <a:off x="885113" y="1819544"/>
-          <a:ext cx="6510656" cy="521338"/>
+          <a:off x="862495" y="1536247"/>
+          <a:ext cx="6530669" cy="438951"/>
         </a:xfrm>
         <a:prstGeom prst="rect">
           <a:avLst/>
@@ -1706,12 +1751,12 @@
         </a:fontRef>
       </dsp:style>
       <dsp:txBody>
-        <a:bodyPr spcFirstLastPara="0" vert="horz" wrap="square" lIns="413812" tIns="68580" rIns="68580" bIns="68580" numCol="1" spcCol="1270" anchor="ctr" anchorCtr="0">
+        <a:bodyPr spcFirstLastPara="0" vert="horz" wrap="square" lIns="348418" tIns="58420" rIns="58420" bIns="58420" numCol="1" spcCol="1270" anchor="ctr" anchorCtr="0">
           <a:noAutofit/>
         </a:bodyPr>
         <a:lstStyle/>
         <a:p>
-          <a:pPr marL="0" lvl="0" indent="0" algn="l" defTabSz="1200150">
+          <a:pPr marL="0" lvl="0" indent="0" algn="l" defTabSz="1022350">
             <a:lnSpc>
               <a:spcPct val="90000"/>
             </a:lnSpc>
@@ -1724,29 +1769,29 @@
             <a:buNone/>
           </a:pPr>
           <a:r>
-            <a:rPr lang="fr-FR" sz="2700" kern="1200" dirty="0">
+            <a:rPr lang="fr-FR" sz="2300" kern="1200" dirty="0">
               <a:latin typeface="Arial" panose="020B0604020202020204" pitchFamily="34" charset="0"/>
               <a:cs typeface="Arial" panose="020B0604020202020204" pitchFamily="34" charset="0"/>
             </a:rPr>
-            <a:t>Sujet de veille</a:t>
+            <a:t>Tableau de criticité</a:t>
           </a:r>
-          <a:endParaRPr lang="fr-FR" sz="2700" kern="1200" dirty="0"/>
+          <a:endParaRPr lang="fr-FR" sz="2300" kern="1200" dirty="0"/>
         </a:p>
       </dsp:txBody>
       <dsp:txXfrm>
-        <a:off x="885113" y="1819544"/>
-        <a:ext cx="6510656" cy="521338"/>
+        <a:off x="862495" y="1536247"/>
+        <a:ext cx="6530669" cy="438951"/>
       </dsp:txXfrm>
     </dsp:sp>
-    <dsp:sp modelId="{E769AB44-8BA8-4694-9B86-BD37730473DF}">
+    <dsp:sp modelId="{880304A3-6645-4649-9ABF-AADA5F7D5FE8}">
       <dsp:nvSpPr>
         <dsp:cNvPr id="0" name=""/>
         <dsp:cNvSpPr/>
       </dsp:nvSpPr>
       <dsp:spPr>
         <a:xfrm>
-          <a:off x="556672" y="1758850"/>
-          <a:ext cx="651672" cy="651672"/>
+          <a:off x="588151" y="1481378"/>
+          <a:ext cx="548689" cy="548689"/>
         </a:xfrm>
         <a:prstGeom prst="ellipse">
           <a:avLst/>
@@ -1786,15 +1831,15 @@
         <a:fontRef idx="minor"/>
       </dsp:style>
     </dsp:sp>
-    <dsp:sp modelId="{3D5BE587-7128-435E-B0CC-7A187B01C111}">
+    <dsp:sp modelId="{CBDD1FB5-0A40-430D-BEB0-F7EED382143F}">
       <dsp:nvSpPr>
         <dsp:cNvPr id="0" name=""/>
         <dsp:cNvSpPr/>
       </dsp:nvSpPr>
       <dsp:spPr>
         <a:xfrm>
-          <a:off x="767851" y="2605774"/>
-          <a:ext cx="6625314" cy="521338"/>
+          <a:off x="862495" y="2194174"/>
+          <a:ext cx="6530669" cy="438951"/>
         </a:xfrm>
         <a:prstGeom prst="rect">
           <a:avLst/>
@@ -1863,12 +1908,12 @@
         </a:fontRef>
       </dsp:style>
       <dsp:txBody>
-        <a:bodyPr spcFirstLastPara="0" vert="horz" wrap="square" lIns="413812" tIns="68580" rIns="68580" bIns="68580" numCol="1" spcCol="1270" anchor="ctr" anchorCtr="0">
+        <a:bodyPr spcFirstLastPara="0" vert="horz" wrap="square" lIns="348418" tIns="58420" rIns="58420" bIns="58420" numCol="1" spcCol="1270" anchor="ctr" anchorCtr="0">
           <a:noAutofit/>
         </a:bodyPr>
         <a:lstStyle/>
         <a:p>
-          <a:pPr marL="0" lvl="0" indent="0" algn="l" defTabSz="1200150">
+          <a:pPr marL="0" lvl="0" indent="0" algn="l" defTabSz="1022350">
             <a:lnSpc>
               <a:spcPct val="90000"/>
             </a:lnSpc>
@@ -1881,29 +1926,29 @@
             <a:buNone/>
           </a:pPr>
           <a:r>
-            <a:rPr lang="fr-FR" sz="2700" kern="1200" dirty="0">
+            <a:rPr lang="fr-FR" sz="2300" kern="1200" dirty="0">
               <a:latin typeface="Arial" panose="020B0604020202020204" pitchFamily="34" charset="0"/>
               <a:cs typeface="Arial" panose="020B0604020202020204" pitchFamily="34" charset="0"/>
             </a:rPr>
-            <a:t>Référentiel</a:t>
+            <a:t>Sujet de veille</a:t>
           </a:r>
-          <a:endParaRPr lang="fr-FR" sz="2700" kern="1200" dirty="0"/>
+          <a:endParaRPr lang="fr-FR" sz="2300" kern="1200" dirty="0"/>
         </a:p>
       </dsp:txBody>
       <dsp:txXfrm>
-        <a:off x="767851" y="2605774"/>
-        <a:ext cx="6625314" cy="521338"/>
+        <a:off x="862495" y="2194174"/>
+        <a:ext cx="6530669" cy="438951"/>
       </dsp:txXfrm>
     </dsp:sp>
-    <dsp:sp modelId="{DB0A1E19-0F50-4825-AE05-5274795BA579}">
+    <dsp:sp modelId="{E769AB44-8BA8-4694-9B86-BD37730473DF}">
       <dsp:nvSpPr>
         <dsp:cNvPr id="0" name=""/>
         <dsp:cNvSpPr/>
       </dsp:nvSpPr>
       <dsp:spPr>
         <a:xfrm>
-          <a:off x="442014" y="2540607"/>
-          <a:ext cx="651672" cy="651672"/>
+          <a:off x="588151" y="2139305"/>
+          <a:ext cx="548689" cy="548689"/>
         </a:xfrm>
         <a:prstGeom prst="ellipse">
           <a:avLst/>
@@ -1943,15 +1988,15 @@
         <a:fontRef idx="minor"/>
       </dsp:style>
     </dsp:sp>
-    <dsp:sp modelId="{966999D7-DD6B-4B01-9B45-802FE1A3E336}">
+    <dsp:sp modelId="{D2AB782D-5307-49BB-9966-3F6C1D1FCC19}">
       <dsp:nvSpPr>
         <dsp:cNvPr id="0" name=""/>
         <dsp:cNvSpPr/>
       </dsp:nvSpPr>
       <dsp:spPr>
         <a:xfrm>
-          <a:off x="394275" y="3387532"/>
-          <a:ext cx="6998889" cy="521338"/>
+          <a:off x="697388" y="2852518"/>
+          <a:ext cx="6695776" cy="438951"/>
         </a:xfrm>
         <a:prstGeom prst="rect">
           <a:avLst/>
@@ -2020,12 +2065,12 @@
         </a:fontRef>
       </dsp:style>
       <dsp:txBody>
-        <a:bodyPr spcFirstLastPara="0" vert="horz" wrap="square" lIns="413812" tIns="68580" rIns="68580" bIns="68580" numCol="1" spcCol="1270" anchor="ctr" anchorCtr="0">
+        <a:bodyPr spcFirstLastPara="0" vert="horz" wrap="square" lIns="348418" tIns="58420" rIns="58420" bIns="58420" numCol="1" spcCol="1270" anchor="ctr" anchorCtr="0">
           <a:noAutofit/>
         </a:bodyPr>
         <a:lstStyle/>
         <a:p>
-          <a:pPr marL="0" lvl="0" indent="0" algn="l" defTabSz="1200150">
+          <a:pPr marL="0" lvl="0" indent="0" algn="l" defTabSz="1022350">
             <a:lnSpc>
               <a:spcPct val="90000"/>
             </a:lnSpc>
@@ -2038,18 +2083,175 @@
             <a:buNone/>
           </a:pPr>
           <a:r>
-            <a:rPr lang="fr-FR" sz="2700" kern="1200" dirty="0">
+            <a:rPr lang="fr-FR" sz="2300" kern="1200" dirty="0">
               <a:latin typeface="Arial" panose="020B0604020202020204" pitchFamily="34" charset="0"/>
               <a:cs typeface="Arial" panose="020B0604020202020204" pitchFamily="34" charset="0"/>
             </a:rPr>
-            <a:t>Question</a:t>
+            <a:t>Référentiel</a:t>
           </a:r>
-          <a:endParaRPr lang="fr-FR" sz="2700" kern="1200" dirty="0"/>
+          <a:endParaRPr lang="fr-FR" sz="2300" kern="1200" dirty="0"/>
         </a:p>
       </dsp:txBody>
       <dsp:txXfrm>
-        <a:off x="394275" y="3387532"/>
-        <a:ext cx="6998889" cy="521338"/>
+        <a:off x="697388" y="2852518"/>
+        <a:ext cx="6695776" cy="438951"/>
+      </dsp:txXfrm>
+    </dsp:sp>
+    <dsp:sp modelId="{DB0A1E19-0F50-4825-AE05-5274795BA579}">
+      <dsp:nvSpPr>
+        <dsp:cNvPr id="0" name=""/>
+        <dsp:cNvSpPr/>
+      </dsp:nvSpPr>
+      <dsp:spPr>
+        <a:xfrm>
+          <a:off x="423044" y="2797649"/>
+          <a:ext cx="548689" cy="548689"/>
+        </a:xfrm>
+        <a:prstGeom prst="ellipse">
+          <a:avLst/>
+        </a:prstGeom>
+        <a:solidFill>
+          <a:schemeClr val="lt2">
+            <a:hueOff val="0"/>
+            <a:satOff val="0"/>
+            <a:lumOff val="0"/>
+            <a:alphaOff val="0"/>
+          </a:schemeClr>
+        </a:solidFill>
+        <a:ln w="6350" cap="flat" cmpd="sng" algn="ctr">
+          <a:solidFill>
+            <a:schemeClr val="dk2">
+              <a:hueOff val="0"/>
+              <a:satOff val="0"/>
+              <a:lumOff val="0"/>
+              <a:alphaOff val="0"/>
+            </a:schemeClr>
+          </a:solidFill>
+          <a:prstDash val="solid"/>
+          <a:miter lim="800000"/>
+        </a:ln>
+        <a:effectLst/>
+      </dsp:spPr>
+      <dsp:style>
+        <a:lnRef idx="1">
+          <a:scrgbClr r="0" g="0" b="0"/>
+        </a:lnRef>
+        <a:fillRef idx="1">
+          <a:scrgbClr r="0" g="0" b="0"/>
+        </a:fillRef>
+        <a:effectRef idx="2">
+          <a:scrgbClr r="0" g="0" b="0"/>
+        </a:effectRef>
+        <a:fontRef idx="minor"/>
+      </dsp:style>
+    </dsp:sp>
+    <dsp:sp modelId="{76DEF4BD-9935-4BE1-ADF6-B70438FA7984}">
+      <dsp:nvSpPr>
+        <dsp:cNvPr id="0" name=""/>
+        <dsp:cNvSpPr/>
+      </dsp:nvSpPr>
+      <dsp:spPr>
+        <a:xfrm>
+          <a:off x="336321" y="3510862"/>
+          <a:ext cx="7056844" cy="438951"/>
+        </a:xfrm>
+        <a:prstGeom prst="rect">
+          <a:avLst/>
+        </a:prstGeom>
+        <a:gradFill rotWithShape="0">
+          <a:gsLst>
+            <a:gs pos="0">
+              <a:schemeClr val="dk2">
+                <a:hueOff val="0"/>
+                <a:satOff val="0"/>
+                <a:lumOff val="0"/>
+                <a:alphaOff val="0"/>
+                <a:satMod val="103000"/>
+                <a:lumMod val="102000"/>
+                <a:tint val="94000"/>
+              </a:schemeClr>
+            </a:gs>
+            <a:gs pos="50000">
+              <a:schemeClr val="dk2">
+                <a:hueOff val="0"/>
+                <a:satOff val="0"/>
+                <a:lumOff val="0"/>
+                <a:alphaOff val="0"/>
+                <a:satMod val="110000"/>
+                <a:lumMod val="100000"/>
+                <a:shade val="100000"/>
+              </a:schemeClr>
+            </a:gs>
+            <a:gs pos="100000">
+              <a:schemeClr val="dk2">
+                <a:hueOff val="0"/>
+                <a:satOff val="0"/>
+                <a:lumOff val="0"/>
+                <a:alphaOff val="0"/>
+                <a:lumMod val="99000"/>
+                <a:satMod val="120000"/>
+                <a:shade val="78000"/>
+              </a:schemeClr>
+            </a:gs>
+          </a:gsLst>
+          <a:lin ang="5400000" scaled="0"/>
+        </a:gradFill>
+        <a:ln>
+          <a:noFill/>
+        </a:ln>
+        <a:effectLst>
+          <a:outerShdw blurRad="57150" dist="19050" dir="5400000" algn="ctr" rotWithShape="0">
+            <a:srgbClr val="000000">
+              <a:alpha val="63000"/>
+            </a:srgbClr>
+          </a:outerShdw>
+        </a:effectLst>
+      </dsp:spPr>
+      <dsp:style>
+        <a:lnRef idx="0">
+          <a:scrgbClr r="0" g="0" b="0"/>
+        </a:lnRef>
+        <a:fillRef idx="3">
+          <a:scrgbClr r="0" g="0" b="0"/>
+        </a:fillRef>
+        <a:effectRef idx="3">
+          <a:scrgbClr r="0" g="0" b="0"/>
+        </a:effectRef>
+        <a:fontRef idx="minor">
+          <a:schemeClr val="lt1"/>
+        </a:fontRef>
+      </dsp:style>
+      <dsp:txBody>
+        <a:bodyPr spcFirstLastPara="0" vert="horz" wrap="square" lIns="348418" tIns="58420" rIns="58420" bIns="58420" numCol="1" spcCol="1270" anchor="ctr" anchorCtr="0">
+          <a:noAutofit/>
+        </a:bodyPr>
+        <a:lstStyle/>
+        <a:p>
+          <a:pPr marL="0" lvl="0" indent="0" algn="l" defTabSz="1022350">
+            <a:lnSpc>
+              <a:spcPct val="90000"/>
+            </a:lnSpc>
+            <a:spcBef>
+              <a:spcPct val="0"/>
+            </a:spcBef>
+            <a:spcAft>
+              <a:spcPct val="35000"/>
+            </a:spcAft>
+            <a:buNone/>
+          </a:pPr>
+          <a:r>
+            <a:rPr lang="fr-FR" sz="2300" kern="1200" dirty="0">
+              <a:latin typeface="Arial" panose="020B0604020202020204" pitchFamily="34" charset="0"/>
+              <a:cs typeface="Arial" panose="020B0604020202020204" pitchFamily="34" charset="0"/>
+            </a:rPr>
+            <a:t>Questions</a:t>
+          </a:r>
+          <a:endParaRPr lang="fr-FR" sz="2300" kern="1200" dirty="0"/>
+        </a:p>
+      </dsp:txBody>
+      <dsp:txXfrm>
+        <a:off x="336321" y="3510862"/>
+        <a:ext cx="7056844" cy="438951"/>
       </dsp:txXfrm>
     </dsp:sp>
     <dsp:sp modelId="{FD86333B-4FFF-43B4-8174-3BEB42F31D87}">
@@ -2059,8 +2261,8 @@
       </dsp:nvSpPr>
       <dsp:spPr>
         <a:xfrm>
-          <a:off x="68438" y="3322364"/>
-          <a:ext cx="651672" cy="651672"/>
+          <a:off x="61976" y="3455993"/>
+          <a:ext cx="548689" cy="548689"/>
         </a:xfrm>
         <a:prstGeom prst="ellipse">
           <a:avLst/>
@@ -4498,7 +4700,7 @@
           <a:p>
             <a:fld id="{7886AB2E-2EFC-4550-951D-79679443F946}" type="datetimeFigureOut">
               <a:rPr lang="fr-RE" smtClean="0"/>
-              <a:t>27/12/2021</a:t>
+              <a:t>04/01/2022</a:t>
             </a:fld>
             <a:endParaRPr lang="fr-RE"/>
           </a:p>
@@ -4937,6 +5139,192 @@
 </p:notes>
 </file>
 
+<file path=ppt/notesSlides/notesSlide10.xml><?xml version="1.0" encoding="utf-8"?>
+<p:notes xmlns:a="http://schemas.openxmlformats.org/drawingml/2006/main" xmlns:r="http://schemas.openxmlformats.org/officeDocument/2006/relationships" xmlns:p="http://schemas.openxmlformats.org/presentationml/2006/main">
+  <p:cSld>
+    <p:spTree>
+      <p:nvGrpSpPr>
+        <p:cNvPr id="1" name=""/>
+        <p:cNvGrpSpPr/>
+        <p:nvPr/>
+      </p:nvGrpSpPr>
+      <p:grpSpPr>
+        <a:xfrm>
+          <a:off x="0" y="0"/>
+          <a:ext cx="0" cy="0"/>
+          <a:chOff x="0" y="0"/>
+          <a:chExt cx="0" cy="0"/>
+        </a:xfrm>
+      </p:grpSpPr>
+      <p:sp>
+        <p:nvSpPr>
+          <p:cNvPr id="2" name="Espace réservé de l'image des diapositives 1"/>
+          <p:cNvSpPr>
+            <a:spLocks noGrp="1" noRot="1" noChangeAspect="1"/>
+          </p:cNvSpPr>
+          <p:nvPr>
+            <p:ph type="sldImg"/>
+          </p:nvPr>
+        </p:nvSpPr>
+        <p:spPr/>
+      </p:sp>
+      <p:sp>
+        <p:nvSpPr>
+          <p:cNvPr id="3" name="Espace réservé des notes 2"/>
+          <p:cNvSpPr>
+            <a:spLocks noGrp="1"/>
+          </p:cNvSpPr>
+          <p:nvPr>
+            <p:ph type="body" idx="1"/>
+          </p:nvPr>
+        </p:nvSpPr>
+        <p:spPr/>
+        <p:txBody>
+          <a:bodyPr/>
+          <a:lstStyle/>
+          <a:p>
+            <a:pPr marL="0" lvl="0" indent="0" algn="l" rtl="0">
+              <a:spcBef>
+                <a:spcPts val="0"/>
+              </a:spcBef>
+              <a:spcAft>
+                <a:spcPts val="0"/>
+              </a:spcAft>
+              <a:buNone/>
+            </a:pPr>
+            <a:endParaRPr lang="fr-FR" dirty="0"/>
+          </a:p>
+        </p:txBody>
+      </p:sp>
+      <p:sp>
+        <p:nvSpPr>
+          <p:cNvPr id="4" name="Espace réservé du numéro de diapositive 3"/>
+          <p:cNvSpPr>
+            <a:spLocks noGrp="1"/>
+          </p:cNvSpPr>
+          <p:nvPr>
+            <p:ph type="sldNum" sz="quarter" idx="5"/>
+          </p:nvPr>
+        </p:nvSpPr>
+        <p:spPr/>
+        <p:txBody>
+          <a:bodyPr/>
+          <a:lstStyle/>
+          <a:p>
+            <a:fld id="{818F9C92-BB2B-4794-9A12-2784E76C5D4C}" type="slidenum">
+              <a:rPr lang="fr-RE" smtClean="0"/>
+              <a:t>10</a:t>
+            </a:fld>
+            <a:endParaRPr lang="fr-RE"/>
+          </a:p>
+        </p:txBody>
+      </p:sp>
+    </p:spTree>
+    <p:extLst>
+      <p:ext uri="{BB962C8B-B14F-4D97-AF65-F5344CB8AC3E}">
+        <p14:creationId xmlns:p14="http://schemas.microsoft.com/office/powerpoint/2010/main" val="4224823066"/>
+      </p:ext>
+    </p:extLst>
+  </p:cSld>
+  <p:clrMapOvr>
+    <a:masterClrMapping/>
+  </p:clrMapOvr>
+</p:notes>
+</file>
+
+<file path=ppt/notesSlides/notesSlide11.xml><?xml version="1.0" encoding="utf-8"?>
+<p:notes xmlns:a="http://schemas.openxmlformats.org/drawingml/2006/main" xmlns:r="http://schemas.openxmlformats.org/officeDocument/2006/relationships" xmlns:p="http://schemas.openxmlformats.org/presentationml/2006/main">
+  <p:cSld>
+    <p:spTree>
+      <p:nvGrpSpPr>
+        <p:cNvPr id="1" name=""/>
+        <p:cNvGrpSpPr/>
+        <p:nvPr/>
+      </p:nvGrpSpPr>
+      <p:grpSpPr>
+        <a:xfrm>
+          <a:off x="0" y="0"/>
+          <a:ext cx="0" cy="0"/>
+          <a:chOff x="0" y="0"/>
+          <a:chExt cx="0" cy="0"/>
+        </a:xfrm>
+      </p:grpSpPr>
+      <p:sp>
+        <p:nvSpPr>
+          <p:cNvPr id="2" name="Espace réservé de l'image des diapositives 1"/>
+          <p:cNvSpPr>
+            <a:spLocks noGrp="1" noRot="1" noChangeAspect="1"/>
+          </p:cNvSpPr>
+          <p:nvPr>
+            <p:ph type="sldImg"/>
+          </p:nvPr>
+        </p:nvSpPr>
+        <p:spPr/>
+      </p:sp>
+      <p:sp>
+        <p:nvSpPr>
+          <p:cNvPr id="3" name="Espace réservé des notes 2"/>
+          <p:cNvSpPr>
+            <a:spLocks noGrp="1"/>
+          </p:cNvSpPr>
+          <p:nvPr>
+            <p:ph type="body" idx="1"/>
+          </p:nvPr>
+        </p:nvSpPr>
+        <p:spPr/>
+        <p:txBody>
+          <a:bodyPr/>
+          <a:lstStyle/>
+          <a:p>
+            <a:pPr marL="0" lvl="0" indent="0" algn="l" rtl="0">
+              <a:spcBef>
+                <a:spcPts val="0"/>
+              </a:spcBef>
+              <a:spcAft>
+                <a:spcPts val="0"/>
+              </a:spcAft>
+              <a:buNone/>
+            </a:pPr>
+            <a:endParaRPr lang="fr-FR" dirty="0"/>
+          </a:p>
+        </p:txBody>
+      </p:sp>
+      <p:sp>
+        <p:nvSpPr>
+          <p:cNvPr id="4" name="Espace réservé du numéro de diapositive 3"/>
+          <p:cNvSpPr>
+            <a:spLocks noGrp="1"/>
+          </p:cNvSpPr>
+          <p:nvPr>
+            <p:ph type="sldNum" sz="quarter" idx="5"/>
+          </p:nvPr>
+        </p:nvSpPr>
+        <p:spPr/>
+        <p:txBody>
+          <a:bodyPr/>
+          <a:lstStyle/>
+          <a:p>
+            <a:fld id="{818F9C92-BB2B-4794-9A12-2784E76C5D4C}" type="slidenum">
+              <a:rPr lang="fr-RE" smtClean="0"/>
+              <a:t>11</a:t>
+            </a:fld>
+            <a:endParaRPr lang="fr-RE"/>
+          </a:p>
+        </p:txBody>
+      </p:sp>
+    </p:spTree>
+    <p:extLst>
+      <p:ext uri="{BB962C8B-B14F-4D97-AF65-F5344CB8AC3E}">
+        <p14:creationId xmlns:p14="http://schemas.microsoft.com/office/powerpoint/2010/main" val="3534918775"/>
+      </p:ext>
+    </p:extLst>
+  </p:cSld>
+  <p:clrMapOvr>
+    <a:masterClrMapping/>
+  </p:clrMapOvr>
+</p:notes>
+</file>
+
 <file path=ppt/notesSlides/notesSlide2.xml><?xml version="1.0" encoding="utf-8"?>
 <p:notes xmlns:a="http://schemas.openxmlformats.org/drawingml/2006/main" xmlns:r="http://schemas.openxmlformats.org/officeDocument/2006/relationships" xmlns:p="http://schemas.openxmlformats.org/presentationml/2006/main">
   <p:cSld>
@@ -5081,9 +5469,13 @@
               <a:spcAft>
                 <a:spcPts val="0"/>
               </a:spcAft>
+              <a:buFontTx/>
               <a:buNone/>
             </a:pPr>
-            <a:endParaRPr lang="fr-FR" dirty="0"/>
+            <a:r>
+              <a:rPr lang="fr-FR" dirty="0"/>
+              <a:t>Le but ici est de mettre en place une stratégie d’authentification, par exemple en front c’est d’avoir une jauge indiquant pour le mot de passe fort. Et en backend, c’est d’avoir une limite de tentative avant un blocage temporaire.</a:t>
+            </a:r>
           </a:p>
         </p:txBody>
       </p:sp>
@@ -5176,7 +5568,10 @@
               </a:spcAft>
               <a:buNone/>
             </a:pPr>
-            <a:endParaRPr lang="fr-FR" dirty="0"/>
+            <a:r>
+              <a:rPr lang="fr-FR" dirty="0"/>
+              <a:t>Le première élément pour avoir une sécurité accru est d’avoir des comptes utilisateurs avec des mots de passe fort. Cela nous permet d’avoir des mots de passe plus difficile à brut force et donc des comptes qui ne sont pas hacker et détourné pour corrompre l’application ou le système.</a:t>
+            </a:r>
           </a:p>
         </p:txBody>
       </p:sp>
@@ -5206,7 +5601,7 @@
     </p:spTree>
     <p:extLst>
       <p:ext uri="{BB962C8B-B14F-4D97-AF65-F5344CB8AC3E}">
-        <p14:creationId xmlns:p14="http://schemas.microsoft.com/office/powerpoint/2010/main" val="220338627"/>
+        <p14:creationId xmlns:p14="http://schemas.microsoft.com/office/powerpoint/2010/main" val="2173661970"/>
       </p:ext>
     </p:extLst>
   </p:cSld>
@@ -5260,7 +5655,19 @@
           <a:bodyPr/>
           <a:lstStyle/>
           <a:p>
-            <a:endParaRPr lang="fr-FR" dirty="0"/>
+            <a:pPr marL="0" lvl="0" indent="0" algn="l" rtl="0">
+              <a:spcBef>
+                <a:spcPts val="0"/>
+              </a:spcBef>
+              <a:spcAft>
+                <a:spcPts val="0"/>
+              </a:spcAft>
+              <a:buNone/>
+            </a:pPr>
+            <a:r>
+              <a:rPr lang="fr-FR" dirty="0"/>
+              <a:t>Pour rajouter une couche de sécurité et donc d’augmenter le temps nécessaire pour cassé des mots de passe. J’ai mis en place une limitation sur les tentatives d’authentification. Au bout de 3 tentatives raté le compte est temporairement suspendu durant un temps déterminé qui est ici de 30 minutes.</a:t>
+            </a:r>
           </a:p>
         </p:txBody>
       </p:sp>
@@ -5290,7 +5697,7 @@
     </p:spTree>
     <p:extLst>
       <p:ext uri="{BB962C8B-B14F-4D97-AF65-F5344CB8AC3E}">
-        <p14:creationId xmlns:p14="http://schemas.microsoft.com/office/powerpoint/2010/main" val="1211961744"/>
+        <p14:creationId xmlns:p14="http://schemas.microsoft.com/office/powerpoint/2010/main" val="1397907780"/>
       </p:ext>
     </p:extLst>
   </p:cSld>
@@ -5355,7 +5762,7 @@
             </a:pPr>
             <a:r>
               <a:rPr lang="fr-FR" dirty="0"/>
-              <a:t>Toutes les maquettes que je vais vous présenter concerne la partie web mais nous avons</a:t>
+              <a:t>Ici on retrouve donc l’exemple du code du blocage du compte de 3 tentatives qui va aussi générer des logs pour permettre de mieux gérer l’application.</a:t>
             </a:r>
           </a:p>
         </p:txBody>
@@ -5386,7 +5793,7 @@
     </p:spTree>
     <p:extLst>
       <p:ext uri="{BB962C8B-B14F-4D97-AF65-F5344CB8AC3E}">
-        <p14:creationId xmlns:p14="http://schemas.microsoft.com/office/powerpoint/2010/main" val="4224823066"/>
+        <p14:creationId xmlns:p14="http://schemas.microsoft.com/office/powerpoint/2010/main" val="1432157921"/>
       </p:ext>
     </p:extLst>
   </p:cSld>
@@ -5449,7 +5856,26 @@
               </a:spcAft>
               <a:buNone/>
             </a:pPr>
-            <a:endParaRPr lang="fr-FR" dirty="0"/>
+            <a:r>
+              <a:rPr lang="fr-FR" dirty="0"/>
+              <a:t>Sous </a:t>
+            </a:r>
+            <a:r>
+              <a:rPr lang="fr-FR" dirty="0" err="1"/>
+              <a:t>windows</a:t>
+            </a:r>
+            <a:r>
+              <a:rPr lang="fr-FR" dirty="0"/>
+              <a:t>, on retrouvera les logs dans le gestionnaire d’événement et au niveau d’un linux, on le retrouvera dans le fichier </a:t>
+            </a:r>
+            <a:r>
+              <a:rPr lang="fr-FR" dirty="0" err="1"/>
+              <a:t>syslog</a:t>
+            </a:r>
+            <a:r>
+              <a:rPr lang="fr-FR" dirty="0"/>
+              <a:t>. Lorsqu’on ajouter un outil pour lire les logs et effectuer des recherches on peut déterminé si une attaque est en cours et quel compte est ciblé.</a:t>
+            </a:r>
           </a:p>
         </p:txBody>
       </p:sp>
@@ -5479,7 +5905,313 @@
     </p:spTree>
     <p:extLst>
       <p:ext uri="{BB962C8B-B14F-4D97-AF65-F5344CB8AC3E}">
-        <p14:creationId xmlns:p14="http://schemas.microsoft.com/office/powerpoint/2010/main" val="3534918775"/>
+        <p14:creationId xmlns:p14="http://schemas.microsoft.com/office/powerpoint/2010/main" val="3087968184"/>
+      </p:ext>
+    </p:extLst>
+  </p:cSld>
+  <p:clrMapOvr>
+    <a:masterClrMapping/>
+  </p:clrMapOvr>
+</p:notes>
+</file>
+
+<file path=ppt/notesSlides/notesSlide8.xml><?xml version="1.0" encoding="utf-8"?>
+<p:notes xmlns:a="http://schemas.openxmlformats.org/drawingml/2006/main" xmlns:r="http://schemas.openxmlformats.org/officeDocument/2006/relationships" xmlns:p="http://schemas.openxmlformats.org/presentationml/2006/main">
+  <p:cSld>
+    <p:spTree>
+      <p:nvGrpSpPr>
+        <p:cNvPr id="1" name=""/>
+        <p:cNvGrpSpPr/>
+        <p:nvPr/>
+      </p:nvGrpSpPr>
+      <p:grpSpPr>
+        <a:xfrm>
+          <a:off x="0" y="0"/>
+          <a:ext cx="0" cy="0"/>
+          <a:chOff x="0" y="0"/>
+          <a:chExt cx="0" cy="0"/>
+        </a:xfrm>
+      </p:grpSpPr>
+      <p:sp>
+        <p:nvSpPr>
+          <p:cNvPr id="2" name="Espace réservé de l'image des diapositives 1"/>
+          <p:cNvSpPr>
+            <a:spLocks noGrp="1" noRot="1" noChangeAspect="1"/>
+          </p:cNvSpPr>
+          <p:nvPr>
+            <p:ph type="sldImg"/>
+          </p:nvPr>
+        </p:nvSpPr>
+        <p:spPr/>
+      </p:sp>
+      <p:sp>
+        <p:nvSpPr>
+          <p:cNvPr id="3" name="Espace réservé des notes 2"/>
+          <p:cNvSpPr>
+            <a:spLocks noGrp="1"/>
+          </p:cNvSpPr>
+          <p:nvPr>
+            <p:ph type="body" idx="1"/>
+          </p:nvPr>
+        </p:nvSpPr>
+        <p:spPr/>
+        <p:txBody>
+          <a:bodyPr/>
+          <a:lstStyle/>
+          <a:p>
+            <a:pPr marL="0" lvl="0" indent="0" algn="l" rtl="0">
+              <a:spcBef>
+                <a:spcPts val="0"/>
+              </a:spcBef>
+              <a:spcAft>
+                <a:spcPts val="0"/>
+              </a:spcAft>
+              <a:buNone/>
+            </a:pPr>
+            <a:endParaRPr lang="fr-FR" dirty="0"/>
+          </a:p>
+        </p:txBody>
+      </p:sp>
+      <p:sp>
+        <p:nvSpPr>
+          <p:cNvPr id="4" name="Espace réservé du numéro de diapositive 3"/>
+          <p:cNvSpPr>
+            <a:spLocks noGrp="1"/>
+          </p:cNvSpPr>
+          <p:nvPr>
+            <p:ph type="sldNum" sz="quarter" idx="5"/>
+          </p:nvPr>
+        </p:nvSpPr>
+        <p:spPr/>
+        <p:txBody>
+          <a:bodyPr/>
+          <a:lstStyle/>
+          <a:p>
+            <a:fld id="{818F9C92-BB2B-4794-9A12-2784E76C5D4C}" type="slidenum">
+              <a:rPr lang="fr-RE" smtClean="0"/>
+              <a:t>8</a:t>
+            </a:fld>
+            <a:endParaRPr lang="fr-RE"/>
+          </a:p>
+        </p:txBody>
+      </p:sp>
+    </p:spTree>
+    <p:extLst>
+      <p:ext uri="{BB962C8B-B14F-4D97-AF65-F5344CB8AC3E}">
+        <p14:creationId xmlns:p14="http://schemas.microsoft.com/office/powerpoint/2010/main" val="220338627"/>
+      </p:ext>
+    </p:extLst>
+  </p:cSld>
+  <p:clrMapOvr>
+    <a:masterClrMapping/>
+  </p:clrMapOvr>
+</p:notes>
+</file>
+
+<file path=ppt/notesSlides/notesSlide9.xml><?xml version="1.0" encoding="utf-8"?>
+<p:notes xmlns:a="http://schemas.openxmlformats.org/drawingml/2006/main" xmlns:r="http://schemas.openxmlformats.org/officeDocument/2006/relationships" xmlns:p="http://schemas.openxmlformats.org/presentationml/2006/main">
+  <p:cSld>
+    <p:spTree>
+      <p:nvGrpSpPr>
+        <p:cNvPr id="1" name=""/>
+        <p:cNvGrpSpPr/>
+        <p:nvPr/>
+      </p:nvGrpSpPr>
+      <p:grpSpPr>
+        <a:xfrm>
+          <a:off x="0" y="0"/>
+          <a:ext cx="0" cy="0"/>
+          <a:chOff x="0" y="0"/>
+          <a:chExt cx="0" cy="0"/>
+        </a:xfrm>
+      </p:grpSpPr>
+      <p:sp>
+        <p:nvSpPr>
+          <p:cNvPr id="2" name="Espace réservé de l'image des diapositives 1"/>
+          <p:cNvSpPr>
+            <a:spLocks noGrp="1" noRot="1" noChangeAspect="1"/>
+          </p:cNvSpPr>
+          <p:nvPr>
+            <p:ph type="sldImg"/>
+          </p:nvPr>
+        </p:nvSpPr>
+        <p:spPr/>
+      </p:sp>
+      <p:sp>
+        <p:nvSpPr>
+          <p:cNvPr id="3" name="Espace réservé des notes 2"/>
+          <p:cNvSpPr>
+            <a:spLocks noGrp="1"/>
+          </p:cNvSpPr>
+          <p:nvPr>
+            <p:ph type="body" idx="1"/>
+          </p:nvPr>
+        </p:nvSpPr>
+        <p:spPr/>
+        <p:txBody>
+          <a:bodyPr/>
+          <a:lstStyle/>
+          <a:p>
+            <a:pPr marL="0" marR="0" lvl="0" indent="0" algn="l" defTabSz="914400" rtl="0" eaLnBrk="1" fontAlgn="auto" latinLnBrk="0" hangingPunct="1">
+              <a:lnSpc>
+                <a:spcPct val="100000"/>
+              </a:lnSpc>
+              <a:spcBef>
+                <a:spcPts val="0"/>
+              </a:spcBef>
+              <a:spcAft>
+                <a:spcPts val="0"/>
+              </a:spcAft>
+              <a:buClrTx/>
+              <a:buSzTx/>
+              <a:buFontTx/>
+              <a:buNone/>
+              <a:tabLst/>
+              <a:defRPr/>
+            </a:pPr>
+            <a:r>
+              <a:rPr lang="fr-FR" b="0" dirty="0">
+                <a:solidFill>
+                  <a:srgbClr val="C5C8C6"/>
+                </a:solidFill>
+                <a:effectLst/>
+                <a:latin typeface="Consolas" panose="020B0609020204030204" pitchFamily="49" charset="0"/>
+              </a:rPr>
+              <a:t>Le terme SOC signifie "Security </a:t>
+            </a:r>
+            <a:r>
+              <a:rPr lang="fr-FR" b="0" dirty="0" err="1">
+                <a:solidFill>
+                  <a:srgbClr val="C5C8C6"/>
+                </a:solidFill>
+                <a:effectLst/>
+                <a:latin typeface="Consolas" panose="020B0609020204030204" pitchFamily="49" charset="0"/>
+              </a:rPr>
+              <a:t>Operation</a:t>
+            </a:r>
+            <a:r>
+              <a:rPr lang="fr-FR" b="0" dirty="0">
+                <a:solidFill>
+                  <a:srgbClr val="C5C8C6"/>
+                </a:solidFill>
+                <a:effectLst/>
+                <a:latin typeface="Consolas" panose="020B0609020204030204" pitchFamily="49" charset="0"/>
+              </a:rPr>
+              <a:t> Center". C'est le fait de superviser et administrer la sécurité d'un système d'information en veillant à ce que les incidents de sécurité potentiels soient correctement identifiés, analysés, défendus, enquêtés et signalés. Cette supervision se base sur des outils chargés de collecter des informations, ainsi le SIEM (Security Information Event and Management) est l'outil principal qui prend en charge la collecte, la surveillance, la corrélation et l'analyse des événements provenant des logs collectées sur différentes machines. </a:t>
+            </a:r>
+          </a:p>
+          <a:p>
+            <a:endParaRPr lang="fr-FR" dirty="0"/>
+          </a:p>
+          <a:p>
+            <a:r>
+              <a:rPr lang="fr-FR" dirty="0"/>
+              <a:t>Le SOC permet :</a:t>
+            </a:r>
+          </a:p>
+          <a:p>
+            <a:endParaRPr lang="fr-FR" dirty="0"/>
+          </a:p>
+          <a:p>
+            <a:r>
+              <a:rPr lang="fr-FR" dirty="0"/>
+              <a:t>- </a:t>
+            </a:r>
+            <a:r>
+              <a:rPr lang="fr-FR" b="1" dirty="0">
+                <a:solidFill>
+                  <a:srgbClr val="D0B344"/>
+                </a:solidFill>
+                <a:effectLst/>
+                <a:latin typeface="Consolas" panose="020B0609020204030204" pitchFamily="49" charset="0"/>
+              </a:rPr>
+              <a:t>améliorer le contrôle des processus de surveillance</a:t>
+            </a:r>
+            <a:br>
+              <a:rPr lang="fr-FR" b="0" dirty="0">
+                <a:solidFill>
+                  <a:srgbClr val="C5C8C6"/>
+                </a:solidFill>
+                <a:effectLst/>
+                <a:latin typeface="Consolas" panose="020B0609020204030204" pitchFamily="49" charset="0"/>
+              </a:rPr>
+            </a:br>
+            <a:r>
+              <a:rPr lang="fr-FR" b="1" dirty="0">
+                <a:solidFill>
+                  <a:srgbClr val="D0B344"/>
+                </a:solidFill>
+                <a:effectLst/>
+                <a:latin typeface="Consolas" panose="020B0609020204030204" pitchFamily="49" charset="0"/>
+              </a:rPr>
+              <a:t>- mieux détecter et répondre aux attaques</a:t>
+            </a:r>
+            <a:endParaRPr lang="fr-FR" b="0" dirty="0">
+              <a:solidFill>
+                <a:srgbClr val="C5C8C6"/>
+              </a:solidFill>
+              <a:effectLst/>
+              <a:latin typeface="Consolas" panose="020B0609020204030204" pitchFamily="49" charset="0"/>
+            </a:endParaRPr>
+          </a:p>
+          <a:p>
+            <a:r>
+              <a:rPr lang="fr-FR" b="0" dirty="0">
+                <a:solidFill>
+                  <a:srgbClr val="C5C8C6"/>
+                </a:solidFill>
+                <a:effectLst/>
+                <a:latin typeface="Consolas" panose="020B0609020204030204" pitchFamily="49" charset="0"/>
+              </a:rPr>
+              <a:t>- </a:t>
+            </a:r>
+            <a:r>
+              <a:rPr lang="fr-FR" b="1" dirty="0">
+                <a:solidFill>
+                  <a:srgbClr val="D0B344"/>
+                </a:solidFill>
+                <a:effectLst/>
+                <a:latin typeface="Consolas" panose="020B0609020204030204" pitchFamily="49" charset="0"/>
+              </a:rPr>
+              <a:t>suivre les obligations réglementaires</a:t>
+            </a:r>
+            <a:endParaRPr lang="fr-FR" b="0" dirty="0">
+              <a:solidFill>
+                <a:srgbClr val="C5C8C6"/>
+              </a:solidFill>
+              <a:effectLst/>
+              <a:latin typeface="Consolas" panose="020B0609020204030204" pitchFamily="49" charset="0"/>
+            </a:endParaRPr>
+          </a:p>
+        </p:txBody>
+      </p:sp>
+      <p:sp>
+        <p:nvSpPr>
+          <p:cNvPr id="4" name="Espace réservé du numéro de diapositive 3"/>
+          <p:cNvSpPr>
+            <a:spLocks noGrp="1"/>
+          </p:cNvSpPr>
+          <p:nvPr>
+            <p:ph type="sldNum" sz="quarter" idx="5"/>
+          </p:nvPr>
+        </p:nvSpPr>
+        <p:spPr/>
+        <p:txBody>
+          <a:bodyPr/>
+          <a:lstStyle/>
+          <a:p>
+            <a:fld id="{818F9C92-BB2B-4794-9A12-2784E76C5D4C}" type="slidenum">
+              <a:rPr lang="fr-RE" smtClean="0"/>
+              <a:t>9</a:t>
+            </a:fld>
+            <a:endParaRPr lang="fr-RE"/>
+          </a:p>
+        </p:txBody>
+      </p:sp>
+    </p:spTree>
+    <p:extLst>
+      <p:ext uri="{BB962C8B-B14F-4D97-AF65-F5344CB8AC3E}">
+        <p14:creationId xmlns:p14="http://schemas.microsoft.com/office/powerpoint/2010/main" val="1211961744"/>
       </p:ext>
     </p:extLst>
   </p:cSld>
@@ -5636,7 +6368,7 @@
           <a:p>
             <a:fld id="{9E930371-97C5-4688-BB82-915A48E8D299}" type="datetime1">
               <a:rPr lang="en-US" smtClean="0"/>
-              <a:t>12/27/2021</a:t>
+              <a:t>1/4/2022</a:t>
             </a:fld>
             <a:endParaRPr lang="en-US" dirty="0"/>
           </a:p>
@@ -5835,7 +6567,7 @@
           <a:p>
             <a:fld id="{C13DF8A8-33B6-4A6B-ABDB-0C28B3DCED6C}" type="datetime1">
               <a:rPr lang="en-US" smtClean="0"/>
-              <a:t>12/27/2021</a:t>
+              <a:t>1/4/2022</a:t>
             </a:fld>
             <a:endParaRPr lang="en-US" dirty="0"/>
           </a:p>
@@ -6043,7 +6775,7 @@
           <a:p>
             <a:fld id="{BC93C174-6EBC-45A5-9EB8-153A124605E6}" type="datetime1">
               <a:rPr lang="en-US" smtClean="0"/>
-              <a:t>12/27/2021</a:t>
+              <a:t>1/4/2022</a:t>
             </a:fld>
             <a:endParaRPr lang="en-US" dirty="0"/>
           </a:p>
@@ -6241,7 +6973,7 @@
           <a:p>
             <a:fld id="{EFB28C93-7075-4E76-B45C-B9FF0322A90E}" type="datetime1">
               <a:rPr lang="en-US" smtClean="0"/>
-              <a:t>12/27/2021</a:t>
+              <a:t>1/4/2022</a:t>
             </a:fld>
             <a:endParaRPr lang="en-US" dirty="0"/>
           </a:p>
@@ -6517,7 +7249,7 @@
           <a:p>
             <a:fld id="{47DEBC2F-0F34-41B0-BD15-4030B3C80711}" type="datetime1">
               <a:rPr lang="en-US" smtClean="0"/>
-              <a:t>12/27/2021</a:t>
+              <a:t>1/4/2022</a:t>
             </a:fld>
             <a:endParaRPr lang="en-US" dirty="0"/>
           </a:p>
@@ -6783,7 +7515,7 @@
           <a:p>
             <a:fld id="{8C2C56FC-4377-4EFD-BB99-CB27C7D9BCD5}" type="datetime1">
               <a:rPr lang="en-US" smtClean="0"/>
-              <a:t>12/27/2021</a:t>
+              <a:t>1/4/2022</a:t>
             </a:fld>
             <a:endParaRPr lang="en-US" dirty="0"/>
           </a:p>
@@ -7195,7 +7927,7 @@
           <a:p>
             <a:fld id="{83DFAC24-BE89-40F1-B8A1-6CF560A3CA4C}" type="datetime1">
               <a:rPr lang="en-US" smtClean="0"/>
-              <a:t>12/27/2021</a:t>
+              <a:t>1/4/2022</a:t>
             </a:fld>
             <a:endParaRPr lang="en-US" dirty="0"/>
           </a:p>
@@ -7338,7 +8070,7 @@
           <a:p>
             <a:fld id="{76FCCAEA-B3F0-45A8-A8EC-650E5501C20E}" type="datetime1">
               <a:rPr lang="en-US" smtClean="0"/>
-              <a:t>12/27/2021</a:t>
+              <a:t>1/4/2022</a:t>
             </a:fld>
             <a:endParaRPr lang="en-US" dirty="0"/>
           </a:p>
@@ -7451,7 +8183,7 @@
           <a:p>
             <a:fld id="{4E754737-5192-4A80-9BDD-8A617DF183E3}" type="datetime1">
               <a:rPr lang="en-US" smtClean="0"/>
-              <a:t>12/27/2021</a:t>
+              <a:t>1/4/2022</a:t>
             </a:fld>
             <a:endParaRPr lang="en-US" dirty="0"/>
           </a:p>
@@ -7762,7 +8494,7 @@
           <a:p>
             <a:fld id="{C428BA53-2944-48FA-B706-BEE0070E76BA}" type="datetime1">
               <a:rPr lang="en-US" smtClean="0"/>
-              <a:t>12/27/2021</a:t>
+              <a:t>1/4/2022</a:t>
             </a:fld>
             <a:endParaRPr lang="en-US" dirty="0"/>
           </a:p>
@@ -8050,7 +8782,7 @@
           <a:p>
             <a:fld id="{BDAFE1A4-27BD-4653-85B1-F875F6DFCFFC}" type="datetime1">
               <a:rPr lang="en-US" smtClean="0"/>
-              <a:t>12/27/2021</a:t>
+              <a:t>1/4/2022</a:t>
             </a:fld>
             <a:endParaRPr lang="en-US" dirty="0"/>
           </a:p>
@@ -8291,7 +9023,7 @@
           <a:p>
             <a:fld id="{83DFAC24-BE89-40F1-B8A1-6CF560A3CA4C}" type="datetime1">
               <a:rPr lang="en-US" smtClean="0"/>
-              <a:t>12/27/2021</a:t>
+              <a:t>1/4/2022</a:t>
             </a:fld>
             <a:endParaRPr lang="en-US" dirty="0"/>
           </a:p>
@@ -8830,7 +9562,7 @@
           <a:p>
             <a:pPr algn="r"/>
             <a:r>
-              <a:rPr lang="fr-FR" sz="4400">
+              <a:rPr lang="fr-FR" sz="4400" dirty="0">
                 <a:latin typeface="Arial Rounded MT Bold" panose="020F0704030504030204" pitchFamily="34" charset="0"/>
               </a:rPr>
               <a:t>STRATEGIES D’AUTHENTIFICATION</a:t>
@@ -8935,7 +9667,7 @@
             </a:fld>
             <a:r>
               <a:rPr lang="en-US" sz="1600" b="1" dirty="0"/>
-              <a:t> / 23</a:t>
+              <a:t> / 11</a:t>
             </a:r>
             <a:endParaRPr lang="en-US" sz="1800" b="1" dirty="0"/>
           </a:p>
@@ -8945,6 +9677,477 @@
     <p:extLst>
       <p:ext uri="{BB962C8B-B14F-4D97-AF65-F5344CB8AC3E}">
         <p14:creationId xmlns:p14="http://schemas.microsoft.com/office/powerpoint/2010/main" val="2907729230"/>
+      </p:ext>
+    </p:extLst>
+  </p:cSld>
+  <p:clrMapOvr>
+    <a:masterClrMapping/>
+  </p:clrMapOvr>
+</p:sld>
+</file>
+
+<file path=ppt/slides/slide10.xml><?xml version="1.0" encoding="utf-8"?>
+<p:sld xmlns:a="http://schemas.openxmlformats.org/drawingml/2006/main" xmlns:r="http://schemas.openxmlformats.org/officeDocument/2006/relationships" xmlns:p="http://schemas.openxmlformats.org/presentationml/2006/main">
+  <p:cSld>
+    <p:spTree>
+      <p:nvGrpSpPr>
+        <p:cNvPr id="1" name=""/>
+        <p:cNvGrpSpPr/>
+        <p:nvPr/>
+      </p:nvGrpSpPr>
+      <p:grpSpPr>
+        <a:xfrm>
+          <a:off x="0" y="0"/>
+          <a:ext cx="0" cy="0"/>
+          <a:chOff x="0" y="0"/>
+          <a:chExt cx="0" cy="0"/>
+        </a:xfrm>
+      </p:grpSpPr>
+      <p:pic>
+        <p:nvPicPr>
+          <p:cNvPr id="6" name="Image 5">
+            <a:extLst>
+              <a:ext uri="{FF2B5EF4-FFF2-40B4-BE49-F238E27FC236}">
+                <a16:creationId xmlns:a16="http://schemas.microsoft.com/office/drawing/2014/main" id="{7B74C971-B67B-40CA-89E0-FE393654BA1A}"/>
+              </a:ext>
+            </a:extLst>
+          </p:cNvPr>
+          <p:cNvPicPr>
+            <a:picLocks noChangeAspect="1"/>
+          </p:cNvPicPr>
+          <p:nvPr/>
+        </p:nvPicPr>
+        <p:blipFill>
+          <a:blip r:embed="rId3"/>
+          <a:stretch>
+            <a:fillRect/>
+          </a:stretch>
+        </p:blipFill>
+        <p:spPr>
+          <a:xfrm>
+            <a:off x="9584746" y="3918525"/>
+            <a:ext cx="2348645" cy="2364461"/>
+          </a:xfrm>
+          <a:prstGeom prst="rect">
+            <a:avLst/>
+          </a:prstGeom>
+        </p:spPr>
+      </p:pic>
+      <p:pic>
+        <p:nvPicPr>
+          <p:cNvPr id="5" name="Image 4">
+            <a:extLst>
+              <a:ext uri="{FF2B5EF4-FFF2-40B4-BE49-F238E27FC236}">
+                <a16:creationId xmlns:a16="http://schemas.microsoft.com/office/drawing/2014/main" id="{8B6A95F4-CB6C-4A26-AB25-5E6278E0AB6A}"/>
+              </a:ext>
+            </a:extLst>
+          </p:cNvPr>
+          <p:cNvPicPr>
+            <a:picLocks noChangeAspect="1"/>
+          </p:cNvPicPr>
+          <p:nvPr/>
+        </p:nvPicPr>
+        <p:blipFill>
+          <a:blip r:embed="rId3"/>
+          <a:stretch>
+            <a:fillRect/>
+          </a:stretch>
+        </p:blipFill>
+        <p:spPr>
+          <a:xfrm>
+            <a:off x="128954" y="164122"/>
+            <a:ext cx="2879848" cy="2899241"/>
+          </a:xfrm>
+          <a:prstGeom prst="rect">
+            <a:avLst/>
+          </a:prstGeom>
+        </p:spPr>
+      </p:pic>
+      <p:sp>
+        <p:nvSpPr>
+          <p:cNvPr id="2" name="Titre 1">
+            <a:extLst>
+              <a:ext uri="{FF2B5EF4-FFF2-40B4-BE49-F238E27FC236}">
+                <a16:creationId xmlns:a16="http://schemas.microsoft.com/office/drawing/2014/main" id="{B22C7BE7-F706-4089-BCA5-AF4C275C322E}"/>
+              </a:ext>
+            </a:extLst>
+          </p:cNvPr>
+          <p:cNvSpPr>
+            <a:spLocks noGrp="1"/>
+          </p:cNvSpPr>
+          <p:nvPr>
+            <p:ph type="title"/>
+          </p:nvPr>
+        </p:nvSpPr>
+        <p:spPr/>
+        <p:txBody>
+          <a:bodyPr/>
+          <a:lstStyle/>
+          <a:p>
+            <a:pPr algn="ctr"/>
+            <a:r>
+              <a:rPr lang="fr-FR" sz="4000" dirty="0">
+                <a:latin typeface="Arial Rounded MT Bold" panose="020F0704030504030204" pitchFamily="34" charset="0"/>
+              </a:rPr>
+              <a:t>Référentiel</a:t>
+            </a:r>
+            <a:endParaRPr lang="fr-RE" sz="4000" dirty="0">
+              <a:latin typeface="Arial Rounded MT Bold" panose="020F0704030504030204" pitchFamily="34" charset="0"/>
+            </a:endParaRPr>
+          </a:p>
+        </p:txBody>
+      </p:sp>
+      <p:sp>
+        <p:nvSpPr>
+          <p:cNvPr id="4" name="Espace réservé du numéro de diapositive 3">
+            <a:extLst>
+              <a:ext uri="{FF2B5EF4-FFF2-40B4-BE49-F238E27FC236}">
+                <a16:creationId xmlns:a16="http://schemas.microsoft.com/office/drawing/2014/main" id="{6828EA4A-30ED-4BE2-BB9E-FF832223FF7B}"/>
+              </a:ext>
+            </a:extLst>
+          </p:cNvPr>
+          <p:cNvSpPr>
+            <a:spLocks noGrp="1"/>
+          </p:cNvSpPr>
+          <p:nvPr>
+            <p:ph type="sldNum" sz="quarter" idx="12"/>
+          </p:nvPr>
+        </p:nvSpPr>
+        <p:spPr/>
+        <p:txBody>
+          <a:bodyPr/>
+          <a:lstStyle/>
+          <a:p>
+            <a:r>
+              <a:rPr lang="en-US" sz="1600" b="1" dirty="0"/>
+              <a:t> </a:t>
+            </a:r>
+            <a:fld id="{8A7A6979-0714-4377-B894-6BE4C2D6E202}" type="slidenum">
+              <a:rPr lang="en-US" sz="1600" b="1" smtClean="0"/>
+              <a:pPr/>
+              <a:t>10</a:t>
+            </a:fld>
+            <a:r>
+              <a:rPr lang="en-US" sz="1600" b="1" dirty="0"/>
+              <a:t> / 11</a:t>
+            </a:r>
+          </a:p>
+        </p:txBody>
+      </p:sp>
+      <p:sp>
+        <p:nvSpPr>
+          <p:cNvPr id="9" name="ZoneTexte 8">
+            <a:extLst>
+              <a:ext uri="{FF2B5EF4-FFF2-40B4-BE49-F238E27FC236}">
+                <a16:creationId xmlns:a16="http://schemas.microsoft.com/office/drawing/2014/main" id="{02D0E547-0031-47B9-82B5-428BDBB4E668}"/>
+              </a:ext>
+            </a:extLst>
+          </p:cNvPr>
+          <p:cNvSpPr txBox="1"/>
+          <p:nvPr/>
+        </p:nvSpPr>
+        <p:spPr>
+          <a:xfrm>
+            <a:off x="1817075" y="2558650"/>
+            <a:ext cx="8604739" cy="646331"/>
+          </a:xfrm>
+          <a:prstGeom prst="rect">
+            <a:avLst/>
+          </a:prstGeom>
+          <a:solidFill>
+            <a:schemeClr val="bg1"/>
+          </a:solidFill>
+        </p:spPr>
+        <p:txBody>
+          <a:bodyPr wrap="square">
+            <a:spAutoFit/>
+          </a:bodyPr>
+          <a:lstStyle/>
+          <a:p>
+            <a:pPr algn="just"/>
+            <a:r>
+              <a:rPr lang="fr-FR" dirty="0">
+                <a:latin typeface="Arial" panose="020B0604020202020204" pitchFamily="34" charset="0"/>
+                <a:cs typeface="Arial" panose="020B0604020202020204" pitchFamily="34" charset="0"/>
+              </a:rPr>
+              <a:t>Analyser l’architecture d’un système d'information et des protocoles de sécurité du commanditaire afin d'évaluer les risques de sécurité.</a:t>
+            </a:r>
+          </a:p>
+        </p:txBody>
+      </p:sp>
+      <p:sp>
+        <p:nvSpPr>
+          <p:cNvPr id="11" name="ZoneTexte 10">
+            <a:extLst>
+              <a:ext uri="{FF2B5EF4-FFF2-40B4-BE49-F238E27FC236}">
+                <a16:creationId xmlns:a16="http://schemas.microsoft.com/office/drawing/2014/main" id="{45B8DFFE-7477-4284-A7AE-97269059E983}"/>
+              </a:ext>
+            </a:extLst>
+          </p:cNvPr>
+          <p:cNvSpPr txBox="1"/>
+          <p:nvPr/>
+        </p:nvSpPr>
+        <p:spPr>
+          <a:xfrm>
+            <a:off x="1817075" y="3460158"/>
+            <a:ext cx="8604739" cy="646331"/>
+          </a:xfrm>
+          <a:prstGeom prst="rect">
+            <a:avLst/>
+          </a:prstGeom>
+          <a:solidFill>
+            <a:schemeClr val="bg1"/>
+          </a:solidFill>
+        </p:spPr>
+        <p:txBody>
+          <a:bodyPr wrap="square">
+            <a:spAutoFit/>
+          </a:bodyPr>
+          <a:lstStyle/>
+          <a:p>
+            <a:pPr algn="just"/>
+            <a:r>
+              <a:rPr lang="fr-FR" dirty="0">
+                <a:latin typeface="Arial" panose="020B0604020202020204" pitchFamily="34" charset="0"/>
+                <a:cs typeface="Arial" panose="020B0604020202020204" pitchFamily="34" charset="0"/>
+              </a:rPr>
+              <a:t>Qualifier un incident de sécurité détecté sur la base d’une analyse des impacts sur l'organisation de manière à apporter une réponse adaptée.</a:t>
+            </a:r>
+          </a:p>
+        </p:txBody>
+      </p:sp>
+      <p:sp>
+        <p:nvSpPr>
+          <p:cNvPr id="13" name="ZoneTexte 12">
+            <a:extLst>
+              <a:ext uri="{FF2B5EF4-FFF2-40B4-BE49-F238E27FC236}">
+                <a16:creationId xmlns:a16="http://schemas.microsoft.com/office/drawing/2014/main" id="{980512A8-3EC5-4B3D-AA4B-46E8C95B5E54}"/>
+              </a:ext>
+            </a:extLst>
+          </p:cNvPr>
+          <p:cNvSpPr txBox="1"/>
+          <p:nvPr/>
+        </p:nvSpPr>
+        <p:spPr>
+          <a:xfrm>
+            <a:off x="1817075" y="4399909"/>
+            <a:ext cx="8604739" cy="646331"/>
+          </a:xfrm>
+          <a:prstGeom prst="rect">
+            <a:avLst/>
+          </a:prstGeom>
+          <a:solidFill>
+            <a:schemeClr val="bg1"/>
+          </a:solidFill>
+        </p:spPr>
+        <p:txBody>
+          <a:bodyPr wrap="square">
+            <a:spAutoFit/>
+          </a:bodyPr>
+          <a:lstStyle/>
+          <a:p>
+            <a:pPr algn="just"/>
+            <a:r>
+              <a:rPr lang="fr-FR" dirty="0">
+                <a:latin typeface="Arial" panose="020B0604020202020204" pitchFamily="34" charset="0"/>
+                <a:cs typeface="Arial" panose="020B0604020202020204" pitchFamily="34" charset="0"/>
+              </a:rPr>
+              <a:t>Identifier les tactiques et techniques d’attaques ainsi que les objectifs de l'attaquant de manière à proposer des préconisations adaptées au mode opératoire utilisé.</a:t>
+            </a:r>
+          </a:p>
+        </p:txBody>
+      </p:sp>
+    </p:spTree>
+    <p:extLst>
+      <p:ext uri="{BB962C8B-B14F-4D97-AF65-F5344CB8AC3E}">
+        <p14:creationId xmlns:p14="http://schemas.microsoft.com/office/powerpoint/2010/main" val="2260241738"/>
+      </p:ext>
+    </p:extLst>
+  </p:cSld>
+  <p:clrMapOvr>
+    <a:masterClrMapping/>
+  </p:clrMapOvr>
+</p:sld>
+</file>
+
+<file path=ppt/slides/slide11.xml><?xml version="1.0" encoding="utf-8"?>
+<p:sld xmlns:a="http://schemas.openxmlformats.org/drawingml/2006/main" xmlns:r="http://schemas.openxmlformats.org/officeDocument/2006/relationships" xmlns:p="http://schemas.openxmlformats.org/presentationml/2006/main">
+  <p:cSld>
+    <p:spTree>
+      <p:nvGrpSpPr>
+        <p:cNvPr id="1" name=""/>
+        <p:cNvGrpSpPr/>
+        <p:nvPr/>
+      </p:nvGrpSpPr>
+      <p:grpSpPr>
+        <a:xfrm>
+          <a:off x="0" y="0"/>
+          <a:ext cx="0" cy="0"/>
+          <a:chOff x="0" y="0"/>
+          <a:chExt cx="0" cy="0"/>
+        </a:xfrm>
+      </p:grpSpPr>
+      <p:pic>
+        <p:nvPicPr>
+          <p:cNvPr id="6" name="Image 5">
+            <a:extLst>
+              <a:ext uri="{FF2B5EF4-FFF2-40B4-BE49-F238E27FC236}">
+                <a16:creationId xmlns:a16="http://schemas.microsoft.com/office/drawing/2014/main" id="{7B74C971-B67B-40CA-89E0-FE393654BA1A}"/>
+              </a:ext>
+            </a:extLst>
+          </p:cNvPr>
+          <p:cNvPicPr>
+            <a:picLocks noChangeAspect="1"/>
+          </p:cNvPicPr>
+          <p:nvPr/>
+        </p:nvPicPr>
+        <p:blipFill>
+          <a:blip r:embed="rId3"/>
+          <a:stretch>
+            <a:fillRect/>
+          </a:stretch>
+        </p:blipFill>
+        <p:spPr>
+          <a:xfrm>
+            <a:off x="9584746" y="3918525"/>
+            <a:ext cx="2348645" cy="2364461"/>
+          </a:xfrm>
+          <a:prstGeom prst="rect">
+            <a:avLst/>
+          </a:prstGeom>
+        </p:spPr>
+      </p:pic>
+      <p:pic>
+        <p:nvPicPr>
+          <p:cNvPr id="5" name="Image 4">
+            <a:extLst>
+              <a:ext uri="{FF2B5EF4-FFF2-40B4-BE49-F238E27FC236}">
+                <a16:creationId xmlns:a16="http://schemas.microsoft.com/office/drawing/2014/main" id="{8B6A95F4-CB6C-4A26-AB25-5E6278E0AB6A}"/>
+              </a:ext>
+            </a:extLst>
+          </p:cNvPr>
+          <p:cNvPicPr>
+            <a:picLocks noChangeAspect="1"/>
+          </p:cNvPicPr>
+          <p:nvPr/>
+        </p:nvPicPr>
+        <p:blipFill>
+          <a:blip r:embed="rId3"/>
+          <a:stretch>
+            <a:fillRect/>
+          </a:stretch>
+        </p:blipFill>
+        <p:spPr>
+          <a:xfrm>
+            <a:off x="128954" y="164122"/>
+            <a:ext cx="2879848" cy="2899241"/>
+          </a:xfrm>
+          <a:prstGeom prst="rect">
+            <a:avLst/>
+          </a:prstGeom>
+        </p:spPr>
+      </p:pic>
+      <p:sp>
+        <p:nvSpPr>
+          <p:cNvPr id="2" name="Titre 1">
+            <a:extLst>
+              <a:ext uri="{FF2B5EF4-FFF2-40B4-BE49-F238E27FC236}">
+                <a16:creationId xmlns:a16="http://schemas.microsoft.com/office/drawing/2014/main" id="{B22C7BE7-F706-4089-BCA5-AF4C275C322E}"/>
+              </a:ext>
+            </a:extLst>
+          </p:cNvPr>
+          <p:cNvSpPr>
+            <a:spLocks noGrp="1"/>
+          </p:cNvSpPr>
+          <p:nvPr>
+            <p:ph type="title"/>
+          </p:nvPr>
+        </p:nvSpPr>
+        <p:spPr/>
+        <p:txBody>
+          <a:bodyPr/>
+          <a:lstStyle/>
+          <a:p>
+            <a:pPr algn="ctr"/>
+            <a:r>
+              <a:rPr lang="fr-FR" sz="4000" dirty="0">
+                <a:latin typeface="Arial Rounded MT Bold" panose="020F0704030504030204" pitchFamily="34" charset="0"/>
+              </a:rPr>
+              <a:t>Questions</a:t>
+            </a:r>
+            <a:endParaRPr lang="fr-RE" sz="4000" dirty="0">
+              <a:latin typeface="Arial Rounded MT Bold" panose="020F0704030504030204" pitchFamily="34" charset="0"/>
+            </a:endParaRPr>
+          </a:p>
+        </p:txBody>
+      </p:sp>
+      <p:sp>
+        <p:nvSpPr>
+          <p:cNvPr id="4" name="Espace réservé du numéro de diapositive 3">
+            <a:extLst>
+              <a:ext uri="{FF2B5EF4-FFF2-40B4-BE49-F238E27FC236}">
+                <a16:creationId xmlns:a16="http://schemas.microsoft.com/office/drawing/2014/main" id="{6828EA4A-30ED-4BE2-BB9E-FF832223FF7B}"/>
+              </a:ext>
+            </a:extLst>
+          </p:cNvPr>
+          <p:cNvSpPr>
+            <a:spLocks noGrp="1"/>
+          </p:cNvSpPr>
+          <p:nvPr>
+            <p:ph type="sldNum" sz="quarter" idx="12"/>
+          </p:nvPr>
+        </p:nvSpPr>
+        <p:spPr/>
+        <p:txBody>
+          <a:bodyPr/>
+          <a:lstStyle/>
+          <a:p>
+            <a:fld id="{8A7A6979-0714-4377-B894-6BE4C2D6E202}" type="slidenum">
+              <a:rPr lang="en-US" sz="1600" b="1" smtClean="0"/>
+              <a:pPr/>
+              <a:t>11</a:t>
+            </a:fld>
+            <a:r>
+              <a:rPr lang="en-US" sz="1600" b="1" dirty="0"/>
+              <a:t> / 11</a:t>
+            </a:r>
+          </a:p>
+        </p:txBody>
+      </p:sp>
+      <p:pic>
+        <p:nvPicPr>
+          <p:cNvPr id="8" name="Image 7">
+            <a:extLst>
+              <a:ext uri="{FF2B5EF4-FFF2-40B4-BE49-F238E27FC236}">
+                <a16:creationId xmlns:a16="http://schemas.microsoft.com/office/drawing/2014/main" id="{103BCE22-DE44-4C72-9AF6-014DC1EC45B0}"/>
+              </a:ext>
+            </a:extLst>
+          </p:cNvPr>
+          <p:cNvPicPr>
+            <a:picLocks noChangeAspect="1"/>
+          </p:cNvPicPr>
+          <p:nvPr/>
+        </p:nvPicPr>
+        <p:blipFill>
+          <a:blip r:embed="rId4"/>
+          <a:stretch>
+            <a:fillRect/>
+          </a:stretch>
+        </p:blipFill>
+        <p:spPr>
+          <a:xfrm>
+            <a:off x="2760754" y="1915137"/>
+            <a:ext cx="6823992" cy="4517482"/>
+          </a:xfrm>
+          <a:prstGeom prst="rect">
+            <a:avLst/>
+          </a:prstGeom>
+        </p:spPr>
+      </p:pic>
+    </p:spTree>
+    <p:extLst>
+      <p:ext uri="{BB962C8B-B14F-4D97-AF65-F5344CB8AC3E}">
+        <p14:creationId xmlns:p14="http://schemas.microsoft.com/office/powerpoint/2010/main" val="2001073525"/>
       </p:ext>
     </p:extLst>
   </p:cSld>
@@ -9063,7 +10266,7 @@
             </a:fld>
             <a:r>
               <a:rPr lang="en-US" sz="1600" b="1" dirty="0"/>
-              <a:t> / 23</a:t>
+              <a:t> / 11</a:t>
             </a:r>
           </a:p>
         </p:txBody>
@@ -9081,7 +10284,7 @@
           <p:nvPr>
             <p:extLst>
               <p:ext uri="{D42A27DB-BD31-4B8C-83A1-F6EECF244321}">
-                <p14:modId xmlns:p14="http://schemas.microsoft.com/office/powerpoint/2010/main" val="544341861"/>
+                <p14:modId xmlns:p14="http://schemas.microsoft.com/office/powerpoint/2010/main" val="2432529424"/>
               </p:ext>
             </p:extLst>
           </p:nvPr>
@@ -9278,17 +10481,17 @@
             </a:fld>
             <a:r>
               <a:rPr lang="en-US" sz="1600" b="1" dirty="0"/>
-              <a:t> / 23</a:t>
+              <a:t> / 11</a:t>
             </a:r>
           </a:p>
         </p:txBody>
       </p:sp>
       <p:pic>
         <p:nvPicPr>
-          <p:cNvPr id="8" name="Image 7">
-            <a:extLst>
-              <a:ext uri="{FF2B5EF4-FFF2-40B4-BE49-F238E27FC236}">
-                <a16:creationId xmlns:a16="http://schemas.microsoft.com/office/drawing/2014/main" id="{4682A2C0-CDB6-444C-BD70-1F251EE51C5A}"/>
+          <p:cNvPr id="7" name="Image 6">
+            <a:extLst>
+              <a:ext uri="{FF2B5EF4-FFF2-40B4-BE49-F238E27FC236}">
+                <a16:creationId xmlns:a16="http://schemas.microsoft.com/office/drawing/2014/main" id="{BF8D6F1D-3640-4CB5-8F67-9E932BFC83D5}"/>
               </a:ext>
             </a:extLst>
           </p:cNvPr>
@@ -9315,10 +10518,10 @@
       </p:pic>
       <p:sp>
         <p:nvSpPr>
-          <p:cNvPr id="9" name="ZoneTexte 8">
-            <a:extLst>
-              <a:ext uri="{FF2B5EF4-FFF2-40B4-BE49-F238E27FC236}">
-                <a16:creationId xmlns:a16="http://schemas.microsoft.com/office/drawing/2014/main" id="{2E7ABF39-832D-4B96-9D27-F8D8BD4CEFB0}"/>
+          <p:cNvPr id="3" name="ZoneTexte 2">
+            <a:extLst>
+              <a:ext uri="{FF2B5EF4-FFF2-40B4-BE49-F238E27FC236}">
+                <a16:creationId xmlns:a16="http://schemas.microsoft.com/office/drawing/2014/main" id="{533225E9-78B9-480F-BFEA-7F9A6F85DA8F}"/>
               </a:ext>
             </a:extLst>
           </p:cNvPr>
@@ -9327,8 +10530,8 @@
         </p:nvSpPr>
         <p:spPr>
           <a:xfrm>
-            <a:off x="4213821" y="2631725"/>
-            <a:ext cx="4396779" cy="719171"/>
+            <a:off x="3991083" y="2690340"/>
+            <a:ext cx="6536241" cy="985911"/>
           </a:xfrm>
           <a:prstGeom prst="rect">
             <a:avLst/>
@@ -9366,17 +10569,27 @@
                 <a:spcPts val="1000"/>
               </a:spcBef>
             </a:pPr>
+            <a:endParaRPr lang="fr-FR" sz="1000" b="1" dirty="0">
+              <a:latin typeface="Arial" panose="020B0604020202020204" pitchFamily="34" charset="0"/>
+              <a:cs typeface="Arial" panose="020B0604020202020204" pitchFamily="34" charset="0"/>
+            </a:endParaRPr>
+          </a:p>
+          <a:p>
+            <a:pPr>
+              <a:lnSpc>
+                <a:spcPct val="90000"/>
+              </a:lnSpc>
+              <a:spcBef>
+                <a:spcPts val="1000"/>
+              </a:spcBef>
+            </a:pPr>
             <a:r>
-              <a:rPr lang="fr-FR" dirty="0" err="1">
+              <a:rPr lang="fr-FR" dirty="0">
                 <a:latin typeface="Arial" panose="020B0604020202020204" pitchFamily="34" charset="0"/>
                 <a:cs typeface="Arial" panose="020B0604020202020204" pitchFamily="34" charset="0"/>
               </a:rPr>
-              <a:t>xxxxxxxxxxxxxxxxxxxxxxxxxxxx</a:t>
+              <a:t>Mettre en place une stratégie d’authentification</a:t>
             </a:r>
-            <a:endParaRPr lang="fr-FR" dirty="0">
-              <a:latin typeface="Arial" panose="020B0604020202020204" pitchFamily="34" charset="0"/>
-              <a:cs typeface="Arial" panose="020B0604020202020204" pitchFamily="34" charset="0"/>
-            </a:endParaRPr>
           </a:p>
         </p:txBody>
       </p:sp>
@@ -9496,7 +10709,7 @@
               <a:rPr lang="fr-FR" sz="4000" dirty="0">
                 <a:latin typeface="Arial Rounded MT Bold" panose="020F0704030504030204" pitchFamily="34" charset="0"/>
               </a:rPr>
-              <a:t>Tableau de criticité</a:t>
+              <a:t>Présentation de l’activité</a:t>
             </a:r>
             <a:endParaRPr lang="fr-RE" sz="4000" dirty="0">
               <a:latin typeface="Arial Rounded MT Bold" panose="020F0704030504030204" pitchFamily="34" charset="0"/>
@@ -9532,15 +10745,133 @@
             </a:fld>
             <a:r>
               <a:rPr lang="en-US" sz="1600" b="1" dirty="0"/>
-              <a:t> / 23</a:t>
+              <a:t> / 11</a:t>
             </a:r>
           </a:p>
         </p:txBody>
       </p:sp>
+      <p:pic>
+        <p:nvPicPr>
+          <p:cNvPr id="7" name="Image 6">
+            <a:extLst>
+              <a:ext uri="{FF2B5EF4-FFF2-40B4-BE49-F238E27FC236}">
+                <a16:creationId xmlns:a16="http://schemas.microsoft.com/office/drawing/2014/main" id="{D5F22C69-1EB3-49BB-804A-6AB05165CE7C}"/>
+              </a:ext>
+            </a:extLst>
+          </p:cNvPr>
+          <p:cNvPicPr>
+            <a:picLocks noChangeAspect="1"/>
+          </p:cNvPicPr>
+          <p:nvPr/>
+        </p:nvPicPr>
+        <p:blipFill>
+          <a:blip r:embed="rId4"/>
+          <a:stretch>
+            <a:fillRect/>
+          </a:stretch>
+        </p:blipFill>
+        <p:spPr>
+          <a:xfrm>
+            <a:off x="8527925" y="3918525"/>
+            <a:ext cx="3656698" cy="2194019"/>
+          </a:xfrm>
+          <a:prstGeom prst="rect">
+            <a:avLst/>
+          </a:prstGeom>
+        </p:spPr>
+      </p:pic>
+      <p:sp>
+        <p:nvSpPr>
+          <p:cNvPr id="11" name="ZoneTexte 10">
+            <a:extLst>
+              <a:ext uri="{FF2B5EF4-FFF2-40B4-BE49-F238E27FC236}">
+                <a16:creationId xmlns:a16="http://schemas.microsoft.com/office/drawing/2014/main" id="{8581C00D-65E9-445D-96DD-4B5FFCD8EAA1}"/>
+              </a:ext>
+            </a:extLst>
+          </p:cNvPr>
+          <p:cNvSpPr txBox="1"/>
+          <p:nvPr/>
+        </p:nvSpPr>
+        <p:spPr>
+          <a:xfrm>
+            <a:off x="8158248" y="4117818"/>
+            <a:ext cx="1975287" cy="590931"/>
+          </a:xfrm>
+          <a:prstGeom prst="rect">
+            <a:avLst/>
+          </a:prstGeom>
+          <a:solidFill>
+            <a:schemeClr val="bg1"/>
+          </a:solidFill>
+        </p:spPr>
+        <p:txBody>
+          <a:bodyPr wrap="square" rtlCol="0">
+            <a:spAutoFit/>
+          </a:bodyPr>
+          <a:lstStyle/>
+          <a:p>
+            <a:pPr algn="ctr">
+              <a:lnSpc>
+                <a:spcPct val="90000"/>
+              </a:lnSpc>
+              <a:spcBef>
+                <a:spcPts val="1000"/>
+              </a:spcBef>
+            </a:pPr>
+            <a:r>
+              <a:rPr lang="fr-FR" dirty="0">
+                <a:latin typeface="Arial" panose="020B0604020202020204" pitchFamily="34" charset="0"/>
+                <a:cs typeface="Arial" panose="020B0604020202020204" pitchFamily="34" charset="0"/>
+              </a:rPr>
+              <a:t>Indicateur mot de passe fort</a:t>
+            </a:r>
+          </a:p>
+        </p:txBody>
+      </p:sp>
+      <p:pic>
+        <p:nvPicPr>
+          <p:cNvPr id="10" name="Image 9">
+            <a:extLst>
+              <a:ext uri="{FF2B5EF4-FFF2-40B4-BE49-F238E27FC236}">
+                <a16:creationId xmlns:a16="http://schemas.microsoft.com/office/drawing/2014/main" id="{425EE594-6A51-445F-A0AB-2F187099224E}"/>
+              </a:ext>
+            </a:extLst>
+          </p:cNvPr>
+          <p:cNvPicPr>
+            <a:picLocks noChangeAspect="1"/>
+          </p:cNvPicPr>
+          <p:nvPr/>
+        </p:nvPicPr>
+        <p:blipFill>
+          <a:blip r:embed="rId5"/>
+          <a:stretch>
+            <a:fillRect/>
+          </a:stretch>
+        </p:blipFill>
+        <p:spPr>
+          <a:xfrm>
+            <a:off x="587201" y="1908833"/>
+            <a:ext cx="4695091" cy="4417969"/>
+          </a:xfrm>
+          <a:prstGeom prst="rect">
+            <a:avLst/>
+          </a:prstGeom>
+          <a:ln>
+            <a:noFill/>
+          </a:ln>
+          <a:effectLst>
+            <a:outerShdw blurRad="292100" dist="139700" dir="2700000" algn="tl" rotWithShape="0">
+              <a:srgbClr val="333333">
+                <a:alpha val="65000"/>
+              </a:srgbClr>
+            </a:outerShdw>
+          </a:effectLst>
+        </p:spPr>
+      </p:pic>
     </p:spTree>
     <p:extLst>
       <p:ext uri="{BB962C8B-B14F-4D97-AF65-F5344CB8AC3E}">
-        <p14:creationId xmlns:p14="http://schemas.microsoft.com/office/powerpoint/2010/main" val="374667423"/>
+        <p14:creationId xmlns:p14="http://schemas.microsoft.com/office/powerpoint/2010/main" val="752839032"/>
       </p:ext>
     </p:extLst>
   </p:cSld>
@@ -9567,107 +10898,12 @@
           <a:chExt cx="0" cy="0"/>
         </a:xfrm>
       </p:grpSpPr>
-      <p:sp>
-        <p:nvSpPr>
-          <p:cNvPr id="2" name="Titre 1">
-            <a:extLst>
-              <a:ext uri="{FF2B5EF4-FFF2-40B4-BE49-F238E27FC236}">
-                <a16:creationId xmlns:a16="http://schemas.microsoft.com/office/drawing/2014/main" id="{E7AE68B5-76A2-4C7E-8E39-968F614FD602}"/>
-              </a:ext>
-            </a:extLst>
-          </p:cNvPr>
-          <p:cNvSpPr>
-            <a:spLocks noGrp="1"/>
-          </p:cNvSpPr>
-          <p:nvPr>
-            <p:ph type="title"/>
-          </p:nvPr>
-        </p:nvSpPr>
-        <p:spPr/>
-        <p:txBody>
-          <a:bodyPr/>
-          <a:lstStyle/>
-          <a:p>
-            <a:pPr algn="ctr"/>
-            <a:r>
-              <a:rPr lang="fr-FR" dirty="0">
-                <a:latin typeface="Arial Rounded MT Bold" panose="020F0704030504030204" pitchFamily="34" charset="0"/>
-              </a:rPr>
-              <a:t>Sujet de veille</a:t>
-            </a:r>
-            <a:endParaRPr lang="fr-FR" dirty="0"/>
-          </a:p>
-        </p:txBody>
-      </p:sp>
-      <p:sp>
-        <p:nvSpPr>
-          <p:cNvPr id="4" name="Espace réservé du numéro de diapositive 3">
-            <a:extLst>
-              <a:ext uri="{FF2B5EF4-FFF2-40B4-BE49-F238E27FC236}">
-                <a16:creationId xmlns:a16="http://schemas.microsoft.com/office/drawing/2014/main" id="{9573D945-7E0F-4265-B283-78F4C9D7B4E3}"/>
-              </a:ext>
-            </a:extLst>
-          </p:cNvPr>
-          <p:cNvSpPr>
-            <a:spLocks noGrp="1"/>
-          </p:cNvSpPr>
-          <p:nvPr>
-            <p:ph type="sldNum" sz="quarter" idx="12"/>
-          </p:nvPr>
-        </p:nvSpPr>
-        <p:spPr/>
-        <p:txBody>
-          <a:bodyPr/>
-          <a:lstStyle/>
-          <a:p>
-            <a:fld id="{8A7A6979-0714-4377-B894-6BE4C2D6E202}" type="slidenum">
-              <a:rPr lang="en-US" sz="1600" b="1" smtClean="0"/>
-              <a:pPr/>
-              <a:t>5</a:t>
-            </a:fld>
-            <a:r>
-              <a:rPr lang="en-US" sz="1600" b="1" dirty="0"/>
-              <a:t> / 23</a:t>
-            </a:r>
-          </a:p>
-        </p:txBody>
-      </p:sp>
       <p:pic>
         <p:nvPicPr>
-          <p:cNvPr id="7" name="Image 6">
-            <a:extLst>
-              <a:ext uri="{FF2B5EF4-FFF2-40B4-BE49-F238E27FC236}">
-                <a16:creationId xmlns:a16="http://schemas.microsoft.com/office/drawing/2014/main" id="{98820620-191A-447D-8D6D-BF6433B44B24}"/>
-              </a:ext>
-            </a:extLst>
-          </p:cNvPr>
-          <p:cNvPicPr>
-            <a:picLocks noChangeAspect="1"/>
-          </p:cNvPicPr>
-          <p:nvPr/>
-        </p:nvPicPr>
-        <p:blipFill>
-          <a:blip r:embed="rId3"/>
-          <a:stretch>
-            <a:fillRect/>
-          </a:stretch>
-        </p:blipFill>
-        <p:spPr>
-          <a:xfrm>
-            <a:off x="128954" y="164122"/>
-            <a:ext cx="2879848" cy="2899241"/>
-          </a:xfrm>
-          <a:prstGeom prst="rect">
-            <a:avLst/>
-          </a:prstGeom>
-        </p:spPr>
-      </p:pic>
-      <p:pic>
-        <p:nvPicPr>
-          <p:cNvPr id="8" name="Image 7">
-            <a:extLst>
-              <a:ext uri="{FF2B5EF4-FFF2-40B4-BE49-F238E27FC236}">
-                <a16:creationId xmlns:a16="http://schemas.microsoft.com/office/drawing/2014/main" id="{6E85B7BF-2069-4D8B-8015-A8E22C312D6C}"/>
+          <p:cNvPr id="6" name="Image 5">
+            <a:extLst>
+              <a:ext uri="{FF2B5EF4-FFF2-40B4-BE49-F238E27FC236}">
+                <a16:creationId xmlns:a16="http://schemas.microsoft.com/office/drawing/2014/main" id="{7B74C971-B67B-40CA-89E0-FE393654BA1A}"/>
               </a:ext>
             </a:extLst>
           </p:cNvPr>
@@ -9692,10 +10928,225 @@
           </a:prstGeom>
         </p:spPr>
       </p:pic>
+      <p:pic>
+        <p:nvPicPr>
+          <p:cNvPr id="5" name="Image 4">
+            <a:extLst>
+              <a:ext uri="{FF2B5EF4-FFF2-40B4-BE49-F238E27FC236}">
+                <a16:creationId xmlns:a16="http://schemas.microsoft.com/office/drawing/2014/main" id="{8B6A95F4-CB6C-4A26-AB25-5E6278E0AB6A}"/>
+              </a:ext>
+            </a:extLst>
+          </p:cNvPr>
+          <p:cNvPicPr>
+            <a:picLocks noChangeAspect="1"/>
+          </p:cNvPicPr>
+          <p:nvPr/>
+        </p:nvPicPr>
+        <p:blipFill>
+          <a:blip r:embed="rId3"/>
+          <a:stretch>
+            <a:fillRect/>
+          </a:stretch>
+        </p:blipFill>
+        <p:spPr>
+          <a:xfrm>
+            <a:off x="128954" y="199291"/>
+            <a:ext cx="2879848" cy="2899241"/>
+          </a:xfrm>
+          <a:prstGeom prst="rect">
+            <a:avLst/>
+          </a:prstGeom>
+        </p:spPr>
+      </p:pic>
+      <p:sp>
+        <p:nvSpPr>
+          <p:cNvPr id="2" name="Titre 1">
+            <a:extLst>
+              <a:ext uri="{FF2B5EF4-FFF2-40B4-BE49-F238E27FC236}">
+                <a16:creationId xmlns:a16="http://schemas.microsoft.com/office/drawing/2014/main" id="{B22C7BE7-F706-4089-BCA5-AF4C275C322E}"/>
+              </a:ext>
+            </a:extLst>
+          </p:cNvPr>
+          <p:cNvSpPr>
+            <a:spLocks noGrp="1"/>
+          </p:cNvSpPr>
+          <p:nvPr>
+            <p:ph type="title"/>
+          </p:nvPr>
+        </p:nvSpPr>
+        <p:spPr/>
+        <p:txBody>
+          <a:bodyPr/>
+          <a:lstStyle/>
+          <a:p>
+            <a:pPr algn="ctr"/>
+            <a:r>
+              <a:rPr lang="fr-FR" sz="4000" dirty="0">
+                <a:latin typeface="Arial Rounded MT Bold" panose="020F0704030504030204" pitchFamily="34" charset="0"/>
+              </a:rPr>
+              <a:t>Présentation de l’activité</a:t>
+            </a:r>
+            <a:endParaRPr lang="fr-RE" sz="4000" dirty="0">
+              <a:latin typeface="Arial Rounded MT Bold" panose="020F0704030504030204" pitchFamily="34" charset="0"/>
+            </a:endParaRPr>
+          </a:p>
+        </p:txBody>
+      </p:sp>
+      <p:sp>
+        <p:nvSpPr>
+          <p:cNvPr id="4" name="Espace réservé du numéro de diapositive 3">
+            <a:extLst>
+              <a:ext uri="{FF2B5EF4-FFF2-40B4-BE49-F238E27FC236}">
+                <a16:creationId xmlns:a16="http://schemas.microsoft.com/office/drawing/2014/main" id="{6828EA4A-30ED-4BE2-BB9E-FF832223FF7B}"/>
+              </a:ext>
+            </a:extLst>
+          </p:cNvPr>
+          <p:cNvSpPr>
+            <a:spLocks noGrp="1"/>
+          </p:cNvSpPr>
+          <p:nvPr>
+            <p:ph type="sldNum" sz="quarter" idx="12"/>
+          </p:nvPr>
+        </p:nvSpPr>
+        <p:spPr/>
+        <p:txBody>
+          <a:bodyPr/>
+          <a:lstStyle/>
+          <a:p>
+            <a:fld id="{8A7A6979-0714-4377-B894-6BE4C2D6E202}" type="slidenum">
+              <a:rPr lang="en-US" sz="1600" b="1" smtClean="0"/>
+              <a:pPr/>
+              <a:t>5</a:t>
+            </a:fld>
+            <a:r>
+              <a:rPr lang="en-US" sz="1600" b="1" dirty="0"/>
+              <a:t> / 11</a:t>
+            </a:r>
+          </a:p>
+        </p:txBody>
+      </p:sp>
+      <p:pic>
+        <p:nvPicPr>
+          <p:cNvPr id="7" name="Image 6">
+            <a:extLst>
+              <a:ext uri="{FF2B5EF4-FFF2-40B4-BE49-F238E27FC236}">
+                <a16:creationId xmlns:a16="http://schemas.microsoft.com/office/drawing/2014/main" id="{B8EFB68A-ED34-438B-A2C3-F836A9020137}"/>
+              </a:ext>
+            </a:extLst>
+          </p:cNvPr>
+          <p:cNvPicPr>
+            <a:picLocks noChangeAspect="1"/>
+          </p:cNvPicPr>
+          <p:nvPr/>
+        </p:nvPicPr>
+        <p:blipFill>
+          <a:blip r:embed="rId4"/>
+          <a:stretch>
+            <a:fillRect/>
+          </a:stretch>
+        </p:blipFill>
+        <p:spPr>
+          <a:xfrm>
+            <a:off x="8096882" y="3467447"/>
+            <a:ext cx="4543852" cy="2888903"/>
+          </a:xfrm>
+          <a:prstGeom prst="rect">
+            <a:avLst/>
+          </a:prstGeom>
+        </p:spPr>
+      </p:pic>
+      <p:sp>
+        <p:nvSpPr>
+          <p:cNvPr id="9" name="ZoneTexte 8">
+            <a:extLst>
+              <a:ext uri="{FF2B5EF4-FFF2-40B4-BE49-F238E27FC236}">
+                <a16:creationId xmlns:a16="http://schemas.microsoft.com/office/drawing/2014/main" id="{2B00171F-8E50-495F-AD72-29D754749BCC}"/>
+              </a:ext>
+            </a:extLst>
+          </p:cNvPr>
+          <p:cNvSpPr txBox="1"/>
+          <p:nvPr/>
+        </p:nvSpPr>
+        <p:spPr>
+          <a:xfrm>
+            <a:off x="8020163" y="3327594"/>
+            <a:ext cx="2348645" cy="590931"/>
+          </a:xfrm>
+          <a:prstGeom prst="rect">
+            <a:avLst/>
+          </a:prstGeom>
+          <a:solidFill>
+            <a:schemeClr val="bg1"/>
+          </a:solidFill>
+        </p:spPr>
+        <p:txBody>
+          <a:bodyPr wrap="square" rtlCol="0">
+            <a:spAutoFit/>
+          </a:bodyPr>
+          <a:lstStyle/>
+          <a:p>
+            <a:pPr algn="ctr">
+              <a:lnSpc>
+                <a:spcPct val="90000"/>
+              </a:lnSpc>
+              <a:spcBef>
+                <a:spcPts val="1000"/>
+              </a:spcBef>
+            </a:pPr>
+            <a:r>
+              <a:rPr lang="fr-FR" dirty="0">
+                <a:latin typeface="Arial" panose="020B0604020202020204" pitchFamily="34" charset="0"/>
+                <a:cs typeface="Arial" panose="020B0604020202020204" pitchFamily="34" charset="0"/>
+              </a:rPr>
+              <a:t>Limitation tentative de connexion</a:t>
+            </a:r>
+          </a:p>
+        </p:txBody>
+      </p:sp>
+      <p:pic>
+        <p:nvPicPr>
+          <p:cNvPr id="8" name="Image 7">
+            <a:extLst>
+              <a:ext uri="{FF2B5EF4-FFF2-40B4-BE49-F238E27FC236}">
+                <a16:creationId xmlns:a16="http://schemas.microsoft.com/office/drawing/2014/main" id="{376B64DC-C9AC-4838-B3ED-A14B174629E6}"/>
+              </a:ext>
+            </a:extLst>
+          </p:cNvPr>
+          <p:cNvPicPr>
+            <a:picLocks noChangeAspect="1"/>
+          </p:cNvPicPr>
+          <p:nvPr/>
+        </p:nvPicPr>
+        <p:blipFill>
+          <a:blip r:embed="rId5"/>
+          <a:stretch>
+            <a:fillRect/>
+          </a:stretch>
+        </p:blipFill>
+        <p:spPr>
+          <a:xfrm>
+            <a:off x="615460" y="1903477"/>
+            <a:ext cx="6179019" cy="4119977"/>
+          </a:xfrm>
+          <a:prstGeom prst="rect">
+            <a:avLst/>
+          </a:prstGeom>
+          <a:ln>
+            <a:noFill/>
+          </a:ln>
+          <a:effectLst>
+            <a:outerShdw blurRad="292100" dist="139700" dir="2700000" algn="tl" rotWithShape="0">
+              <a:srgbClr val="333333">
+                <a:alpha val="65000"/>
+              </a:srgbClr>
+            </a:outerShdw>
+          </a:effectLst>
+        </p:spPr>
+      </p:pic>
     </p:spTree>
     <p:extLst>
       <p:ext uri="{BB962C8B-B14F-4D97-AF65-F5344CB8AC3E}">
-        <p14:creationId xmlns:p14="http://schemas.microsoft.com/office/powerpoint/2010/main" val="3048946655"/>
+        <p14:creationId xmlns:p14="http://schemas.microsoft.com/office/powerpoint/2010/main" val="2093502548"/>
       </p:ext>
     </p:extLst>
   </p:cSld>
@@ -9774,7 +11225,7 @@
         </p:blipFill>
         <p:spPr>
           <a:xfrm>
-            <a:off x="128954" y="164122"/>
+            <a:off x="128954" y="199291"/>
             <a:ext cx="2879848" cy="2899241"/>
           </a:xfrm>
           <a:prstGeom prst="rect">
@@ -9808,7 +11259,7 @@
               <a:rPr lang="fr-FR" sz="4000" dirty="0">
                 <a:latin typeface="Arial Rounded MT Bold" panose="020F0704030504030204" pitchFamily="34" charset="0"/>
               </a:rPr>
-              <a:t>Référentiel</a:t>
+              <a:t>Présentation de l’activité</a:t>
             </a:r>
             <a:endParaRPr lang="fr-RE" sz="4000" dirty="0">
               <a:latin typeface="Arial Rounded MT Bold" panose="020F0704030504030204" pitchFamily="34" charset="0"/>
@@ -9837,10 +11288,6 @@
           <a:bodyPr/>
           <a:lstStyle/>
           <a:p>
-            <a:r>
-              <a:rPr lang="en-US" sz="1600" b="1" dirty="0"/>
-              <a:t> </a:t>
-            </a:r>
             <a:fld id="{8A7A6979-0714-4377-B894-6BE4C2D6E202}" type="slidenum">
               <a:rPr lang="en-US" sz="1600" b="1" smtClean="0"/>
               <a:pPr/>
@@ -9848,15 +11295,133 @@
             </a:fld>
             <a:r>
               <a:rPr lang="en-US" sz="1600" b="1" dirty="0"/>
-              <a:t> / 23</a:t>
+              <a:t> / 11</a:t>
             </a:r>
           </a:p>
         </p:txBody>
       </p:sp>
+      <p:pic>
+        <p:nvPicPr>
+          <p:cNvPr id="7" name="Image 6">
+            <a:extLst>
+              <a:ext uri="{FF2B5EF4-FFF2-40B4-BE49-F238E27FC236}">
+                <a16:creationId xmlns:a16="http://schemas.microsoft.com/office/drawing/2014/main" id="{027DEFB1-F044-4484-B151-9AAB05E30094}"/>
+              </a:ext>
+            </a:extLst>
+          </p:cNvPr>
+          <p:cNvPicPr>
+            <a:picLocks noChangeAspect="1"/>
+          </p:cNvPicPr>
+          <p:nvPr/>
+        </p:nvPicPr>
+        <p:blipFill>
+          <a:blip r:embed="rId4"/>
+          <a:stretch>
+            <a:fillRect/>
+          </a:stretch>
+        </p:blipFill>
+        <p:spPr>
+          <a:xfrm>
+            <a:off x="8988617" y="3591599"/>
+            <a:ext cx="3111079" cy="2764751"/>
+          </a:xfrm>
+          <a:prstGeom prst="rect">
+            <a:avLst/>
+          </a:prstGeom>
+        </p:spPr>
+      </p:pic>
+      <p:sp>
+        <p:nvSpPr>
+          <p:cNvPr id="9" name="ZoneTexte 8">
+            <a:extLst>
+              <a:ext uri="{FF2B5EF4-FFF2-40B4-BE49-F238E27FC236}">
+                <a16:creationId xmlns:a16="http://schemas.microsoft.com/office/drawing/2014/main" id="{61EACFC4-E455-4407-8CFB-C32C80CFBDAA}"/>
+              </a:ext>
+            </a:extLst>
+          </p:cNvPr>
+          <p:cNvSpPr txBox="1"/>
+          <p:nvPr/>
+        </p:nvSpPr>
+        <p:spPr>
+          <a:xfrm>
+            <a:off x="8129957" y="3382584"/>
+            <a:ext cx="2197817" cy="341632"/>
+          </a:xfrm>
+          <a:prstGeom prst="rect">
+            <a:avLst/>
+          </a:prstGeom>
+          <a:solidFill>
+            <a:schemeClr val="bg1"/>
+          </a:solidFill>
+        </p:spPr>
+        <p:txBody>
+          <a:bodyPr wrap="square" rtlCol="0">
+            <a:spAutoFit/>
+          </a:bodyPr>
+          <a:lstStyle/>
+          <a:p>
+            <a:pPr>
+              <a:lnSpc>
+                <a:spcPct val="90000"/>
+              </a:lnSpc>
+              <a:spcBef>
+                <a:spcPts val="1000"/>
+              </a:spcBef>
+            </a:pPr>
+            <a:r>
+              <a:rPr lang="fr-FR" dirty="0">
+                <a:latin typeface="Arial" panose="020B0604020202020204" pitchFamily="34" charset="0"/>
+                <a:cs typeface="Arial" panose="020B0604020202020204" pitchFamily="34" charset="0"/>
+              </a:rPr>
+              <a:t>Blocage de compte</a:t>
+            </a:r>
+          </a:p>
+        </p:txBody>
+      </p:sp>
+      <p:pic>
+        <p:nvPicPr>
+          <p:cNvPr id="11" name="Image 10">
+            <a:extLst>
+              <a:ext uri="{FF2B5EF4-FFF2-40B4-BE49-F238E27FC236}">
+                <a16:creationId xmlns:a16="http://schemas.microsoft.com/office/drawing/2014/main" id="{C4067022-4891-40D6-A789-B9DA7F00A579}"/>
+              </a:ext>
+            </a:extLst>
+          </p:cNvPr>
+          <p:cNvPicPr>
+            <a:picLocks noChangeAspect="1"/>
+          </p:cNvPicPr>
+          <p:nvPr/>
+        </p:nvPicPr>
+        <p:blipFill>
+          <a:blip r:embed="rId5"/>
+          <a:stretch>
+            <a:fillRect/>
+          </a:stretch>
+        </p:blipFill>
+        <p:spPr>
+          <a:xfrm>
+            <a:off x="168378" y="1454176"/>
+            <a:ext cx="6075941" cy="5308843"/>
+          </a:xfrm>
+          <a:prstGeom prst="rect">
+            <a:avLst/>
+          </a:prstGeom>
+          <a:ln>
+            <a:noFill/>
+          </a:ln>
+          <a:effectLst>
+            <a:outerShdw blurRad="292100" dist="139700" dir="2700000" algn="tl" rotWithShape="0">
+              <a:srgbClr val="333333">
+                <a:alpha val="65000"/>
+              </a:srgbClr>
+            </a:outerShdw>
+          </a:effectLst>
+        </p:spPr>
+      </p:pic>
     </p:spTree>
     <p:extLst>
       <p:ext uri="{BB962C8B-B14F-4D97-AF65-F5344CB8AC3E}">
-        <p14:creationId xmlns:p14="http://schemas.microsoft.com/office/powerpoint/2010/main" val="2260241738"/>
+        <p14:creationId xmlns:p14="http://schemas.microsoft.com/office/powerpoint/2010/main" val="623338134"/>
       </p:ext>
     </p:extLst>
   </p:cSld>
@@ -9935,6 +11500,724 @@
         </p:blipFill>
         <p:spPr>
           <a:xfrm>
+            <a:off x="128954" y="199291"/>
+            <a:ext cx="2879848" cy="2899241"/>
+          </a:xfrm>
+          <a:prstGeom prst="rect">
+            <a:avLst/>
+          </a:prstGeom>
+        </p:spPr>
+      </p:pic>
+      <p:sp>
+        <p:nvSpPr>
+          <p:cNvPr id="2" name="Titre 1">
+            <a:extLst>
+              <a:ext uri="{FF2B5EF4-FFF2-40B4-BE49-F238E27FC236}">
+                <a16:creationId xmlns:a16="http://schemas.microsoft.com/office/drawing/2014/main" id="{B22C7BE7-F706-4089-BCA5-AF4C275C322E}"/>
+              </a:ext>
+            </a:extLst>
+          </p:cNvPr>
+          <p:cNvSpPr>
+            <a:spLocks noGrp="1"/>
+          </p:cNvSpPr>
+          <p:nvPr>
+            <p:ph type="title"/>
+          </p:nvPr>
+        </p:nvSpPr>
+        <p:spPr/>
+        <p:txBody>
+          <a:bodyPr/>
+          <a:lstStyle/>
+          <a:p>
+            <a:pPr algn="ctr"/>
+            <a:r>
+              <a:rPr lang="fr-FR" sz="4000" dirty="0">
+                <a:latin typeface="Arial Rounded MT Bold" panose="020F0704030504030204" pitchFamily="34" charset="0"/>
+              </a:rPr>
+              <a:t>Présentation de l’activité</a:t>
+            </a:r>
+            <a:endParaRPr lang="fr-RE" sz="4000" dirty="0">
+              <a:latin typeface="Arial Rounded MT Bold" panose="020F0704030504030204" pitchFamily="34" charset="0"/>
+            </a:endParaRPr>
+          </a:p>
+        </p:txBody>
+      </p:sp>
+      <p:sp>
+        <p:nvSpPr>
+          <p:cNvPr id="4" name="Espace réservé du numéro de diapositive 3">
+            <a:extLst>
+              <a:ext uri="{FF2B5EF4-FFF2-40B4-BE49-F238E27FC236}">
+                <a16:creationId xmlns:a16="http://schemas.microsoft.com/office/drawing/2014/main" id="{6828EA4A-30ED-4BE2-BB9E-FF832223FF7B}"/>
+              </a:ext>
+            </a:extLst>
+          </p:cNvPr>
+          <p:cNvSpPr>
+            <a:spLocks noGrp="1"/>
+          </p:cNvSpPr>
+          <p:nvPr>
+            <p:ph type="sldNum" sz="quarter" idx="12"/>
+          </p:nvPr>
+        </p:nvSpPr>
+        <p:spPr/>
+        <p:txBody>
+          <a:bodyPr/>
+          <a:lstStyle/>
+          <a:p>
+            <a:fld id="{8A7A6979-0714-4377-B894-6BE4C2D6E202}" type="slidenum">
+              <a:rPr lang="en-US" sz="1600" b="1" smtClean="0"/>
+              <a:pPr/>
+              <a:t>7</a:t>
+            </a:fld>
+            <a:r>
+              <a:rPr lang="en-US" sz="1600" b="1" dirty="0"/>
+              <a:t> / 11</a:t>
+            </a:r>
+          </a:p>
+        </p:txBody>
+      </p:sp>
+      <p:pic>
+        <p:nvPicPr>
+          <p:cNvPr id="7" name="Image 6">
+            <a:extLst>
+              <a:ext uri="{FF2B5EF4-FFF2-40B4-BE49-F238E27FC236}">
+                <a16:creationId xmlns:a16="http://schemas.microsoft.com/office/drawing/2014/main" id="{3A2E9E7A-C825-4B8D-84C9-26C7D35E781C}"/>
+              </a:ext>
+            </a:extLst>
+          </p:cNvPr>
+          <p:cNvPicPr>
+            <a:picLocks noChangeAspect="1"/>
+          </p:cNvPicPr>
+          <p:nvPr/>
+        </p:nvPicPr>
+        <p:blipFill>
+          <a:blip r:embed="rId4"/>
+          <a:stretch>
+            <a:fillRect/>
+          </a:stretch>
+        </p:blipFill>
+        <p:spPr>
+          <a:xfrm>
+            <a:off x="9645789" y="3344333"/>
+            <a:ext cx="2362770" cy="3148542"/>
+          </a:xfrm>
+          <a:prstGeom prst="rect">
+            <a:avLst/>
+          </a:prstGeom>
+        </p:spPr>
+      </p:pic>
+      <p:sp>
+        <p:nvSpPr>
+          <p:cNvPr id="9" name="ZoneTexte 8">
+            <a:extLst>
+              <a:ext uri="{FF2B5EF4-FFF2-40B4-BE49-F238E27FC236}">
+                <a16:creationId xmlns:a16="http://schemas.microsoft.com/office/drawing/2014/main" id="{6954C8E2-D633-4C2E-8D2E-D58D281267D4}"/>
+              </a:ext>
+            </a:extLst>
+          </p:cNvPr>
+          <p:cNvSpPr txBox="1"/>
+          <p:nvPr/>
+        </p:nvSpPr>
+        <p:spPr>
+          <a:xfrm>
+            <a:off x="8795369" y="2939475"/>
+            <a:ext cx="2373661" cy="590931"/>
+          </a:xfrm>
+          <a:prstGeom prst="rect">
+            <a:avLst/>
+          </a:prstGeom>
+          <a:solidFill>
+            <a:schemeClr val="bg1"/>
+          </a:solidFill>
+        </p:spPr>
+        <p:txBody>
+          <a:bodyPr wrap="square" rtlCol="0">
+            <a:spAutoFit/>
+          </a:bodyPr>
+          <a:lstStyle/>
+          <a:p>
+            <a:pPr algn="ctr">
+              <a:lnSpc>
+                <a:spcPct val="90000"/>
+              </a:lnSpc>
+              <a:spcBef>
+                <a:spcPts val="1000"/>
+              </a:spcBef>
+            </a:pPr>
+            <a:r>
+              <a:rPr lang="fr-FR" dirty="0">
+                <a:latin typeface="Arial" panose="020B0604020202020204" pitchFamily="34" charset="0"/>
+                <a:cs typeface="Arial" panose="020B0604020202020204" pitchFamily="34" charset="0"/>
+              </a:rPr>
+              <a:t>Gestion des logs d’authentification</a:t>
+            </a:r>
+          </a:p>
+        </p:txBody>
+      </p:sp>
+      <p:pic>
+        <p:nvPicPr>
+          <p:cNvPr id="15" name="Image 14">
+            <a:extLst>
+              <a:ext uri="{FF2B5EF4-FFF2-40B4-BE49-F238E27FC236}">
+                <a16:creationId xmlns:a16="http://schemas.microsoft.com/office/drawing/2014/main" id="{5A5C4912-B4A2-48B6-8063-387A6F03BC1D}"/>
+              </a:ext>
+            </a:extLst>
+          </p:cNvPr>
+          <p:cNvPicPr>
+            <a:picLocks noChangeAspect="1"/>
+          </p:cNvPicPr>
+          <p:nvPr/>
+        </p:nvPicPr>
+        <p:blipFill>
+          <a:blip r:embed="rId5"/>
+          <a:stretch>
+            <a:fillRect/>
+          </a:stretch>
+        </p:blipFill>
+        <p:spPr>
+          <a:xfrm>
+            <a:off x="609599" y="1800099"/>
+            <a:ext cx="7489555" cy="4543968"/>
+          </a:xfrm>
+          <a:prstGeom prst="rect">
+            <a:avLst/>
+          </a:prstGeom>
+          <a:ln>
+            <a:noFill/>
+          </a:ln>
+          <a:effectLst>
+            <a:outerShdw blurRad="292100" dist="139700" dir="2700000" algn="tl" rotWithShape="0">
+              <a:srgbClr val="333333">
+                <a:alpha val="65000"/>
+              </a:srgbClr>
+            </a:outerShdw>
+          </a:effectLst>
+        </p:spPr>
+      </p:pic>
+    </p:spTree>
+    <p:extLst>
+      <p:ext uri="{BB962C8B-B14F-4D97-AF65-F5344CB8AC3E}">
+        <p14:creationId xmlns:p14="http://schemas.microsoft.com/office/powerpoint/2010/main" val="451195966"/>
+      </p:ext>
+    </p:extLst>
+  </p:cSld>
+  <p:clrMapOvr>
+    <a:masterClrMapping/>
+  </p:clrMapOvr>
+</p:sld>
+</file>
+
+<file path=ppt/slides/slide8.xml><?xml version="1.0" encoding="utf-8"?>
+<p:sld xmlns:a="http://schemas.openxmlformats.org/drawingml/2006/main" xmlns:r="http://schemas.openxmlformats.org/officeDocument/2006/relationships" xmlns:p="http://schemas.openxmlformats.org/presentationml/2006/main">
+  <p:cSld>
+    <p:spTree>
+      <p:nvGrpSpPr>
+        <p:cNvPr id="1" name=""/>
+        <p:cNvGrpSpPr/>
+        <p:nvPr/>
+      </p:nvGrpSpPr>
+      <p:grpSpPr>
+        <a:xfrm>
+          <a:off x="0" y="0"/>
+          <a:ext cx="0" cy="0"/>
+          <a:chOff x="0" y="0"/>
+          <a:chExt cx="0" cy="0"/>
+        </a:xfrm>
+      </p:grpSpPr>
+      <p:pic>
+        <p:nvPicPr>
+          <p:cNvPr id="6" name="Image 5">
+            <a:extLst>
+              <a:ext uri="{FF2B5EF4-FFF2-40B4-BE49-F238E27FC236}">
+                <a16:creationId xmlns:a16="http://schemas.microsoft.com/office/drawing/2014/main" id="{7B74C971-B67B-40CA-89E0-FE393654BA1A}"/>
+              </a:ext>
+            </a:extLst>
+          </p:cNvPr>
+          <p:cNvPicPr>
+            <a:picLocks noChangeAspect="1"/>
+          </p:cNvPicPr>
+          <p:nvPr/>
+        </p:nvPicPr>
+        <p:blipFill>
+          <a:blip r:embed="rId3"/>
+          <a:stretch>
+            <a:fillRect/>
+          </a:stretch>
+        </p:blipFill>
+        <p:spPr>
+          <a:xfrm>
+            <a:off x="9584746" y="3918525"/>
+            <a:ext cx="2348645" cy="2364461"/>
+          </a:xfrm>
+          <a:prstGeom prst="rect">
+            <a:avLst/>
+          </a:prstGeom>
+        </p:spPr>
+      </p:pic>
+      <p:pic>
+        <p:nvPicPr>
+          <p:cNvPr id="5" name="Image 4">
+            <a:extLst>
+              <a:ext uri="{FF2B5EF4-FFF2-40B4-BE49-F238E27FC236}">
+                <a16:creationId xmlns:a16="http://schemas.microsoft.com/office/drawing/2014/main" id="{8B6A95F4-CB6C-4A26-AB25-5E6278E0AB6A}"/>
+              </a:ext>
+            </a:extLst>
+          </p:cNvPr>
+          <p:cNvPicPr>
+            <a:picLocks noChangeAspect="1"/>
+          </p:cNvPicPr>
+          <p:nvPr/>
+        </p:nvPicPr>
+        <p:blipFill>
+          <a:blip r:embed="rId3"/>
+          <a:stretch>
+            <a:fillRect/>
+          </a:stretch>
+        </p:blipFill>
+        <p:spPr>
+          <a:xfrm>
+            <a:off x="128954" y="199291"/>
+            <a:ext cx="2879848" cy="2899241"/>
+          </a:xfrm>
+          <a:prstGeom prst="rect">
+            <a:avLst/>
+          </a:prstGeom>
+        </p:spPr>
+      </p:pic>
+      <p:sp>
+        <p:nvSpPr>
+          <p:cNvPr id="2" name="Titre 1">
+            <a:extLst>
+              <a:ext uri="{FF2B5EF4-FFF2-40B4-BE49-F238E27FC236}">
+                <a16:creationId xmlns:a16="http://schemas.microsoft.com/office/drawing/2014/main" id="{B22C7BE7-F706-4089-BCA5-AF4C275C322E}"/>
+              </a:ext>
+            </a:extLst>
+          </p:cNvPr>
+          <p:cNvSpPr>
+            <a:spLocks noGrp="1"/>
+          </p:cNvSpPr>
+          <p:nvPr>
+            <p:ph type="title"/>
+          </p:nvPr>
+        </p:nvSpPr>
+        <p:spPr/>
+        <p:txBody>
+          <a:bodyPr/>
+          <a:lstStyle/>
+          <a:p>
+            <a:pPr algn="ctr"/>
+            <a:r>
+              <a:rPr lang="fr-FR" sz="4000" dirty="0">
+                <a:latin typeface="Arial Rounded MT Bold" panose="020F0704030504030204" pitchFamily="34" charset="0"/>
+              </a:rPr>
+              <a:t>Bilan / Recommandations</a:t>
+            </a:r>
+            <a:endParaRPr lang="fr-RE" sz="4000" dirty="0">
+              <a:latin typeface="Arial Rounded MT Bold" panose="020F0704030504030204" pitchFamily="34" charset="0"/>
+            </a:endParaRPr>
+          </a:p>
+        </p:txBody>
+      </p:sp>
+      <p:sp>
+        <p:nvSpPr>
+          <p:cNvPr id="4" name="Espace réservé du numéro de diapositive 3">
+            <a:extLst>
+              <a:ext uri="{FF2B5EF4-FFF2-40B4-BE49-F238E27FC236}">
+                <a16:creationId xmlns:a16="http://schemas.microsoft.com/office/drawing/2014/main" id="{6828EA4A-30ED-4BE2-BB9E-FF832223FF7B}"/>
+              </a:ext>
+            </a:extLst>
+          </p:cNvPr>
+          <p:cNvSpPr>
+            <a:spLocks noGrp="1"/>
+          </p:cNvSpPr>
+          <p:nvPr>
+            <p:ph type="sldNum" sz="quarter" idx="12"/>
+          </p:nvPr>
+        </p:nvSpPr>
+        <p:spPr/>
+        <p:txBody>
+          <a:bodyPr/>
+          <a:lstStyle/>
+          <a:p>
+            <a:fld id="{8A7A6979-0714-4377-B894-6BE4C2D6E202}" type="slidenum">
+              <a:rPr lang="en-US" sz="1600" b="1" smtClean="0"/>
+              <a:pPr/>
+              <a:t>8</a:t>
+            </a:fld>
+            <a:r>
+              <a:rPr lang="en-US" sz="1600" b="1" dirty="0"/>
+              <a:t> / 11</a:t>
+            </a:r>
+          </a:p>
+        </p:txBody>
+      </p:sp>
+      <p:graphicFrame>
+        <p:nvGraphicFramePr>
+          <p:cNvPr id="7" name="Tableau 7">
+            <a:extLst>
+              <a:ext uri="{FF2B5EF4-FFF2-40B4-BE49-F238E27FC236}">
+                <a16:creationId xmlns:a16="http://schemas.microsoft.com/office/drawing/2014/main" id="{82874B99-B782-42BD-8501-58D33E317505}"/>
+              </a:ext>
+            </a:extLst>
+          </p:cNvPr>
+          <p:cNvGraphicFramePr>
+            <a:graphicFrameLocks noGrp="1"/>
+          </p:cNvGraphicFramePr>
+          <p:nvPr>
+            <p:extLst>
+              <p:ext uri="{D42A27DB-BD31-4B8C-83A1-F6EECF244321}">
+                <p14:modId xmlns:p14="http://schemas.microsoft.com/office/powerpoint/2010/main" val="555023944"/>
+              </p:ext>
+            </p:extLst>
+          </p:nvPr>
+        </p:nvGraphicFramePr>
+        <p:xfrm>
+          <a:off x="838200" y="2197803"/>
+          <a:ext cx="10738338" cy="3691547"/>
+        </p:xfrm>
+        <a:graphic>
+          <a:graphicData uri="http://schemas.openxmlformats.org/drawingml/2006/table">
+            <a:tbl>
+              <a:tblPr firstRow="1" bandRow="1">
+                <a:effectLst>
+                  <a:outerShdw blurRad="50800" dist="38100" dir="8100000" algn="tr" rotWithShape="0">
+                    <a:prstClr val="black">
+                      <a:alpha val="40000"/>
+                    </a:prstClr>
+                  </a:outerShdw>
+                </a:effectLst>
+                <a:tableStyleId>{5202B0CA-FC54-4496-8BCA-5EF66A818D29}</a:tableStyleId>
+              </a:tblPr>
+              <a:tblGrid>
+                <a:gridCol w="5229777">
+                  <a:extLst>
+                    <a:ext uri="{9D8B030D-6E8A-4147-A177-3AD203B41FA5}">
+                      <a16:colId xmlns:a16="http://schemas.microsoft.com/office/drawing/2014/main" val="51031025"/>
+                    </a:ext>
+                  </a:extLst>
+                </a:gridCol>
+                <a:gridCol w="5508561">
+                  <a:extLst>
+                    <a:ext uri="{9D8B030D-6E8A-4147-A177-3AD203B41FA5}">
+                      <a16:colId xmlns:a16="http://schemas.microsoft.com/office/drawing/2014/main" val="1107216242"/>
+                    </a:ext>
+                  </a:extLst>
+                </a:gridCol>
+              </a:tblGrid>
+              <a:tr h="551878">
+                <a:tc>
+                  <a:txBody>
+                    <a:bodyPr/>
+                    <a:lstStyle/>
+                    <a:p>
+                      <a:pPr algn="ctr"/>
+                      <a:r>
+                        <a:rPr lang="fr-FR" sz="2000" dirty="0"/>
+                        <a:t>Points fort</a:t>
+                      </a:r>
+                    </a:p>
+                  </a:txBody>
+                  <a:tcPr anchor="ctr"/>
+                </a:tc>
+                <a:tc>
+                  <a:txBody>
+                    <a:bodyPr/>
+                    <a:lstStyle/>
+                    <a:p>
+                      <a:pPr algn="ctr"/>
+                      <a:r>
+                        <a:rPr lang="fr-FR" sz="2000" dirty="0"/>
+                        <a:t>Points faible</a:t>
+                      </a:r>
+                    </a:p>
+                  </a:txBody>
+                  <a:tcPr anchor="ctr"/>
+                </a:tc>
+                <a:extLst>
+                  <a:ext uri="{0D108BD9-81ED-4DB2-BD59-A6C34878D82A}">
+                    <a16:rowId xmlns:a16="http://schemas.microsoft.com/office/drawing/2014/main" val="3186800991"/>
+                  </a:ext>
+                </a:extLst>
+              </a:tr>
+              <a:tr h="551878">
+                <a:tc>
+                  <a:txBody>
+                    <a:bodyPr/>
+                    <a:lstStyle/>
+                    <a:p>
+                      <a:r>
+                        <a:rPr lang="fr-FR" dirty="0"/>
+                        <a:t>Compte utilisateur avec un mot de passe fort</a:t>
+                      </a:r>
+                    </a:p>
+                  </a:txBody>
+                  <a:tcPr anchor="ctr"/>
+                </a:tc>
+                <a:tc>
+                  <a:txBody>
+                    <a:bodyPr/>
+                    <a:lstStyle/>
+                    <a:p>
+                      <a:r>
+                        <a:rPr lang="fr-FR" dirty="0"/>
+                        <a:t>Génère beaucoup de log s’il s’agit d’une attaque</a:t>
+                      </a:r>
+                    </a:p>
+                  </a:txBody>
+                  <a:tcPr anchor="ctr"/>
+                </a:tc>
+                <a:extLst>
+                  <a:ext uri="{0D108BD9-81ED-4DB2-BD59-A6C34878D82A}">
+                    <a16:rowId xmlns:a16="http://schemas.microsoft.com/office/drawing/2014/main" val="1552978034"/>
+                  </a:ext>
+                </a:extLst>
+              </a:tr>
+              <a:tr h="551878">
+                <a:tc>
+                  <a:txBody>
+                    <a:bodyPr/>
+                    <a:lstStyle/>
+                    <a:p>
+                      <a:r>
+                        <a:rPr lang="fr-FR" dirty="0"/>
+                        <a:t>Limitation des tentatives d’authentification</a:t>
+                      </a:r>
+                    </a:p>
+                  </a:txBody>
+                  <a:tcPr anchor="ctr"/>
+                </a:tc>
+                <a:tc>
+                  <a:txBody>
+                    <a:bodyPr/>
+                    <a:lstStyle/>
+                    <a:p>
+                      <a:r>
+                        <a:rPr lang="fr-FR" dirty="0"/>
+                        <a:t>Côté utilisateur : délai d’attente</a:t>
+                      </a:r>
+                    </a:p>
+                  </a:txBody>
+                  <a:tcPr anchor="ctr"/>
+                </a:tc>
+                <a:extLst>
+                  <a:ext uri="{0D108BD9-81ED-4DB2-BD59-A6C34878D82A}">
+                    <a16:rowId xmlns:a16="http://schemas.microsoft.com/office/drawing/2014/main" val="2562687705"/>
+                  </a:ext>
+                </a:extLst>
+              </a:tr>
+              <a:tr h="629476">
+                <a:tc>
+                  <a:txBody>
+                    <a:bodyPr/>
+                    <a:lstStyle/>
+                    <a:p>
+                      <a:r>
+                        <a:rPr lang="fr-FR" dirty="0"/>
+                        <a:t>Gestion des logs lorsque le compte est bloqué</a:t>
+                      </a:r>
+                    </a:p>
+                  </a:txBody>
+                  <a:tcPr anchor="ctr"/>
+                </a:tc>
+                <a:tc>
+                  <a:txBody>
+                    <a:bodyPr/>
+                    <a:lstStyle/>
+                    <a:p>
+                      <a:r>
+                        <a:rPr lang="fr-FR" dirty="0"/>
+                        <a:t>Côté utilisateur : obligation mot de passe fort</a:t>
+                      </a:r>
+                    </a:p>
+                  </a:txBody>
+                  <a:tcPr anchor="ctr"/>
+                </a:tc>
+                <a:extLst>
+                  <a:ext uri="{0D108BD9-81ED-4DB2-BD59-A6C34878D82A}">
+                    <a16:rowId xmlns:a16="http://schemas.microsoft.com/office/drawing/2014/main" val="2658080140"/>
+                  </a:ext>
+                </a:extLst>
+              </a:tr>
+              <a:tr h="638629">
+                <a:tc>
+                  <a:txBody>
+                    <a:bodyPr/>
+                    <a:lstStyle/>
+                    <a:p>
+                      <a:r>
+                        <a:rPr lang="fr-FR" dirty="0"/>
+                        <a:t>Déblocage automatique après x minutes</a:t>
+                      </a:r>
+                    </a:p>
+                  </a:txBody>
+                  <a:tcPr anchor="ctr"/>
+                </a:tc>
+                <a:tc>
+                  <a:txBody>
+                    <a:bodyPr/>
+                    <a:lstStyle/>
+                    <a:p>
+                      <a:endParaRPr lang="fr-FR" dirty="0"/>
+                    </a:p>
+                  </a:txBody>
+                  <a:tcPr anchor="ctr"/>
+                </a:tc>
+                <a:extLst>
+                  <a:ext uri="{0D108BD9-81ED-4DB2-BD59-A6C34878D82A}">
+                    <a16:rowId xmlns:a16="http://schemas.microsoft.com/office/drawing/2014/main" val="1486059782"/>
+                  </a:ext>
+                </a:extLst>
+              </a:tr>
+              <a:tr h="767808">
+                <a:tc>
+                  <a:txBody>
+                    <a:bodyPr/>
+                    <a:lstStyle/>
+                    <a:p>
+                      <a:r>
+                        <a:rPr lang="fr-FR" dirty="0"/>
+                        <a:t>Identifier les attaques brut force</a:t>
+                      </a:r>
+                    </a:p>
+                  </a:txBody>
+                  <a:tcPr anchor="ctr"/>
+                </a:tc>
+                <a:tc>
+                  <a:txBody>
+                    <a:bodyPr/>
+                    <a:lstStyle/>
+                    <a:p>
+                      <a:endParaRPr lang="fr-FR" dirty="0"/>
+                    </a:p>
+                  </a:txBody>
+                  <a:tcPr anchor="ctr"/>
+                </a:tc>
+                <a:extLst>
+                  <a:ext uri="{0D108BD9-81ED-4DB2-BD59-A6C34878D82A}">
+                    <a16:rowId xmlns:a16="http://schemas.microsoft.com/office/drawing/2014/main" val="3087736752"/>
+                  </a:ext>
+                </a:extLst>
+              </a:tr>
+            </a:tbl>
+          </a:graphicData>
+        </a:graphic>
+      </p:graphicFrame>
+    </p:spTree>
+    <p:extLst>
+      <p:ext uri="{BB962C8B-B14F-4D97-AF65-F5344CB8AC3E}">
+        <p14:creationId xmlns:p14="http://schemas.microsoft.com/office/powerpoint/2010/main" val="374667423"/>
+      </p:ext>
+    </p:extLst>
+  </p:cSld>
+  <p:clrMapOvr>
+    <a:masterClrMapping/>
+  </p:clrMapOvr>
+</p:sld>
+</file>
+
+<file path=ppt/slides/slide9.xml><?xml version="1.0" encoding="utf-8"?>
+<p:sld xmlns:a="http://schemas.openxmlformats.org/drawingml/2006/main" xmlns:r="http://schemas.openxmlformats.org/officeDocument/2006/relationships" xmlns:p="http://schemas.openxmlformats.org/presentationml/2006/main">
+  <p:cSld>
+    <p:spTree>
+      <p:nvGrpSpPr>
+        <p:cNvPr id="1" name=""/>
+        <p:cNvGrpSpPr/>
+        <p:nvPr/>
+      </p:nvGrpSpPr>
+      <p:grpSpPr>
+        <a:xfrm>
+          <a:off x="0" y="0"/>
+          <a:ext cx="0" cy="0"/>
+          <a:chOff x="0" y="0"/>
+          <a:chExt cx="0" cy="0"/>
+        </a:xfrm>
+      </p:grpSpPr>
+      <p:sp>
+        <p:nvSpPr>
+          <p:cNvPr id="2" name="Titre 1">
+            <a:extLst>
+              <a:ext uri="{FF2B5EF4-FFF2-40B4-BE49-F238E27FC236}">
+                <a16:creationId xmlns:a16="http://schemas.microsoft.com/office/drawing/2014/main" id="{E7AE68B5-76A2-4C7E-8E39-968F614FD602}"/>
+              </a:ext>
+            </a:extLst>
+          </p:cNvPr>
+          <p:cNvSpPr>
+            <a:spLocks noGrp="1"/>
+          </p:cNvSpPr>
+          <p:nvPr>
+            <p:ph type="title"/>
+          </p:nvPr>
+        </p:nvSpPr>
+        <p:spPr/>
+        <p:txBody>
+          <a:bodyPr/>
+          <a:lstStyle/>
+          <a:p>
+            <a:pPr algn="ctr"/>
+            <a:r>
+              <a:rPr lang="fr-FR" dirty="0">
+                <a:latin typeface="Arial Rounded MT Bold" panose="020F0704030504030204" pitchFamily="34" charset="0"/>
+              </a:rPr>
+              <a:t>Sujet de veille</a:t>
+            </a:r>
+            <a:endParaRPr lang="fr-FR" dirty="0"/>
+          </a:p>
+        </p:txBody>
+      </p:sp>
+      <p:sp>
+        <p:nvSpPr>
+          <p:cNvPr id="4" name="Espace réservé du numéro de diapositive 3">
+            <a:extLst>
+              <a:ext uri="{FF2B5EF4-FFF2-40B4-BE49-F238E27FC236}">
+                <a16:creationId xmlns:a16="http://schemas.microsoft.com/office/drawing/2014/main" id="{9573D945-7E0F-4265-B283-78F4C9D7B4E3}"/>
+              </a:ext>
+            </a:extLst>
+          </p:cNvPr>
+          <p:cNvSpPr>
+            <a:spLocks noGrp="1"/>
+          </p:cNvSpPr>
+          <p:nvPr>
+            <p:ph type="sldNum" sz="quarter" idx="12"/>
+          </p:nvPr>
+        </p:nvSpPr>
+        <p:spPr/>
+        <p:txBody>
+          <a:bodyPr/>
+          <a:lstStyle/>
+          <a:p>
+            <a:fld id="{8A7A6979-0714-4377-B894-6BE4C2D6E202}" type="slidenum">
+              <a:rPr lang="en-US" sz="1600" b="1" smtClean="0"/>
+              <a:pPr/>
+              <a:t>9</a:t>
+            </a:fld>
+            <a:r>
+              <a:rPr lang="en-US" sz="1600" b="1" dirty="0"/>
+              <a:t> / 11</a:t>
+            </a:r>
+          </a:p>
+        </p:txBody>
+      </p:sp>
+      <p:pic>
+        <p:nvPicPr>
+          <p:cNvPr id="7" name="Image 6">
+            <a:extLst>
+              <a:ext uri="{FF2B5EF4-FFF2-40B4-BE49-F238E27FC236}">
+                <a16:creationId xmlns:a16="http://schemas.microsoft.com/office/drawing/2014/main" id="{98820620-191A-447D-8D6D-BF6433B44B24}"/>
+              </a:ext>
+            </a:extLst>
+          </p:cNvPr>
+          <p:cNvPicPr>
+            <a:picLocks noChangeAspect="1"/>
+          </p:cNvPicPr>
+          <p:nvPr/>
+        </p:nvPicPr>
+        <p:blipFill>
+          <a:blip r:embed="rId3"/>
+          <a:stretch>
+            <a:fillRect/>
+          </a:stretch>
+        </p:blipFill>
+        <p:spPr>
+          <a:xfrm>
             <a:off x="128954" y="164122"/>
             <a:ext cx="2879848" cy="2899241"/>
           </a:xfrm>
@@ -9943,77 +12226,189 @@
           </a:prstGeom>
         </p:spPr>
       </p:pic>
-      <p:sp>
-        <p:nvSpPr>
-          <p:cNvPr id="2" name="Titre 1">
-            <a:extLst>
-              <a:ext uri="{FF2B5EF4-FFF2-40B4-BE49-F238E27FC236}">
-                <a16:creationId xmlns:a16="http://schemas.microsoft.com/office/drawing/2014/main" id="{B22C7BE7-F706-4089-BCA5-AF4C275C322E}"/>
-              </a:ext>
-            </a:extLst>
-          </p:cNvPr>
-          <p:cNvSpPr>
-            <a:spLocks noGrp="1"/>
-          </p:cNvSpPr>
-          <p:nvPr>
-            <p:ph type="title"/>
-          </p:nvPr>
-        </p:nvSpPr>
-        <p:spPr/>
+      <p:pic>
+        <p:nvPicPr>
+          <p:cNvPr id="8" name="Image 7">
+            <a:extLst>
+              <a:ext uri="{FF2B5EF4-FFF2-40B4-BE49-F238E27FC236}">
+                <a16:creationId xmlns:a16="http://schemas.microsoft.com/office/drawing/2014/main" id="{6E85B7BF-2069-4D8B-8015-A8E22C312D6C}"/>
+              </a:ext>
+            </a:extLst>
+          </p:cNvPr>
+          <p:cNvPicPr>
+            <a:picLocks noChangeAspect="1"/>
+          </p:cNvPicPr>
+          <p:nvPr/>
+        </p:nvPicPr>
+        <p:blipFill>
+          <a:blip r:embed="rId3"/>
+          <a:stretch>
+            <a:fillRect/>
+          </a:stretch>
+        </p:blipFill>
+        <p:spPr>
+          <a:xfrm>
+            <a:off x="9584746" y="3918525"/>
+            <a:ext cx="2348645" cy="2364461"/>
+          </a:xfrm>
+          <a:prstGeom prst="rect">
+            <a:avLst/>
+          </a:prstGeom>
+        </p:spPr>
+      </p:pic>
+      <p:sp>
+        <p:nvSpPr>
+          <p:cNvPr id="6" name="ZoneTexte 5">
+            <a:extLst>
+              <a:ext uri="{FF2B5EF4-FFF2-40B4-BE49-F238E27FC236}">
+                <a16:creationId xmlns:a16="http://schemas.microsoft.com/office/drawing/2014/main" id="{A157DFA3-3848-4BCE-86CA-70692E5C87AD}"/>
+              </a:ext>
+            </a:extLst>
+          </p:cNvPr>
+          <p:cNvSpPr txBox="1"/>
+          <p:nvPr/>
+        </p:nvSpPr>
+        <p:spPr>
+          <a:xfrm>
+            <a:off x="7170676" y="3845161"/>
+            <a:ext cx="2879848" cy="719171"/>
+          </a:xfrm>
+          <a:prstGeom prst="rect">
+            <a:avLst/>
+          </a:prstGeom>
+          <a:solidFill>
+            <a:schemeClr val="bg1"/>
+          </a:solidFill>
+        </p:spPr>
         <p:txBody>
-          <a:bodyPr/>
+          <a:bodyPr wrap="square" rtlCol="0">
+            <a:spAutoFit/>
+          </a:bodyPr>
           <a:lstStyle/>
           <a:p>
-            <a:pPr algn="ctr"/>
+            <a:pPr>
+              <a:lnSpc>
+                <a:spcPct val="90000"/>
+              </a:lnSpc>
+              <a:spcBef>
+                <a:spcPts val="1000"/>
+              </a:spcBef>
+            </a:pPr>
             <a:r>
-              <a:rPr lang="fr-FR" sz="4000" dirty="0">
-                <a:latin typeface="Arial Rounded MT Bold" panose="020F0704030504030204" pitchFamily="34" charset="0"/>
+              <a:rPr lang="fr-FR" b="1" dirty="0">
+                <a:latin typeface="Arial" panose="020B0604020202020204" pitchFamily="34" charset="0"/>
+                <a:cs typeface="Arial" panose="020B0604020202020204" pitchFamily="34" charset="0"/>
               </a:rPr>
-              <a:t>Question</a:t>
+              <a:t>SOC : </a:t>
             </a:r>
-            <a:endParaRPr lang="fr-RE" sz="4000" dirty="0">
-              <a:latin typeface="Arial Rounded MT Bold" panose="020F0704030504030204" pitchFamily="34" charset="0"/>
-            </a:endParaRPr>
+          </a:p>
+          <a:p>
+            <a:pPr>
+              <a:lnSpc>
+                <a:spcPct val="90000"/>
+              </a:lnSpc>
+              <a:spcBef>
+                <a:spcPts val="1000"/>
+              </a:spcBef>
+            </a:pPr>
+            <a:r>
+              <a:rPr lang="fr-FR" dirty="0">
+                <a:latin typeface="Arial" panose="020B0604020202020204" pitchFamily="34" charset="0"/>
+                <a:cs typeface="Arial" panose="020B0604020202020204" pitchFamily="34" charset="0"/>
+              </a:rPr>
+              <a:t>Security </a:t>
+            </a:r>
+            <a:r>
+              <a:rPr lang="fr-FR" dirty="0" err="1">
+                <a:latin typeface="Arial" panose="020B0604020202020204" pitchFamily="34" charset="0"/>
+                <a:cs typeface="Arial" panose="020B0604020202020204" pitchFamily="34" charset="0"/>
+              </a:rPr>
+              <a:t>Operation</a:t>
+            </a:r>
+            <a:r>
+              <a:rPr lang="fr-FR" dirty="0">
+                <a:latin typeface="Arial" panose="020B0604020202020204" pitchFamily="34" charset="0"/>
+                <a:cs typeface="Arial" panose="020B0604020202020204" pitchFamily="34" charset="0"/>
+              </a:rPr>
+              <a:t> Center</a:t>
+            </a:r>
           </a:p>
         </p:txBody>
       </p:sp>
-      <p:sp>
-        <p:nvSpPr>
-          <p:cNvPr id="4" name="Espace réservé du numéro de diapositive 3">
-            <a:extLst>
-              <a:ext uri="{FF2B5EF4-FFF2-40B4-BE49-F238E27FC236}">
-                <a16:creationId xmlns:a16="http://schemas.microsoft.com/office/drawing/2014/main" id="{6828EA4A-30ED-4BE2-BB9E-FF832223FF7B}"/>
-              </a:ext>
-            </a:extLst>
-          </p:cNvPr>
-          <p:cNvSpPr>
-            <a:spLocks noGrp="1"/>
-          </p:cNvSpPr>
-          <p:nvPr>
-            <p:ph type="sldNum" sz="quarter" idx="12"/>
-          </p:nvPr>
-        </p:nvSpPr>
-        <p:spPr/>
-        <p:txBody>
-          <a:bodyPr/>
-          <a:lstStyle/>
-          <a:p>
-            <a:fld id="{8A7A6979-0714-4377-B894-6BE4C2D6E202}" type="slidenum">
-              <a:rPr lang="en-US" sz="1600" b="1" smtClean="0"/>
-              <a:pPr/>
-              <a:t>7</a:t>
-            </a:fld>
-            <a:r>
-              <a:rPr lang="en-US" sz="1600" b="1" dirty="0"/>
-              <a:t> / 23</a:t>
-            </a:r>
-          </a:p>
-        </p:txBody>
-      </p:sp>
+      <p:pic>
+        <p:nvPicPr>
+          <p:cNvPr id="9" name="Image 8">
+            <a:extLst>
+              <a:ext uri="{FF2B5EF4-FFF2-40B4-BE49-F238E27FC236}">
+                <a16:creationId xmlns:a16="http://schemas.microsoft.com/office/drawing/2014/main" id="{6A259AC2-D12D-4E7D-954A-01AF0645CD35}"/>
+              </a:ext>
+            </a:extLst>
+          </p:cNvPr>
+          <p:cNvPicPr>
+            <a:picLocks noChangeAspect="1"/>
+          </p:cNvPicPr>
+          <p:nvPr/>
+        </p:nvPicPr>
+        <p:blipFill>
+          <a:blip r:embed="rId4"/>
+          <a:stretch>
+            <a:fillRect/>
+          </a:stretch>
+        </p:blipFill>
+        <p:spPr>
+          <a:xfrm>
+            <a:off x="8527925" y="3918525"/>
+            <a:ext cx="3656698" cy="2194019"/>
+          </a:xfrm>
+          <a:prstGeom prst="rect">
+            <a:avLst/>
+          </a:prstGeom>
+        </p:spPr>
+      </p:pic>
+      <p:pic>
+        <p:nvPicPr>
+          <p:cNvPr id="10" name="Image 9">
+            <a:extLst>
+              <a:ext uri="{FF2B5EF4-FFF2-40B4-BE49-F238E27FC236}">
+                <a16:creationId xmlns:a16="http://schemas.microsoft.com/office/drawing/2014/main" id="{744602DF-15A4-4FAF-9C69-A1CD16841450}"/>
+              </a:ext>
+            </a:extLst>
+          </p:cNvPr>
+          <p:cNvPicPr>
+            <a:picLocks noChangeAspect="1"/>
+          </p:cNvPicPr>
+          <p:nvPr/>
+        </p:nvPicPr>
+        <p:blipFill>
+          <a:blip r:embed="rId5"/>
+          <a:stretch>
+            <a:fillRect/>
+          </a:stretch>
+        </p:blipFill>
+        <p:spPr>
+          <a:xfrm>
+            <a:off x="646066" y="1665962"/>
+            <a:ext cx="5265460" cy="4638696"/>
+          </a:xfrm>
+          <a:prstGeom prst="rect">
+            <a:avLst/>
+          </a:prstGeom>
+          <a:ln>
+            <a:noFill/>
+          </a:ln>
+          <a:effectLst>
+            <a:outerShdw blurRad="292100" dist="139700" dir="2700000" algn="tl" rotWithShape="0">
+              <a:srgbClr val="333333">
+                <a:alpha val="65000"/>
+              </a:srgbClr>
+            </a:outerShdw>
+          </a:effectLst>
+        </p:spPr>
+      </p:pic>
     </p:spTree>
     <p:extLst>
       <p:ext uri="{BB962C8B-B14F-4D97-AF65-F5344CB8AC3E}">
-        <p14:creationId xmlns:p14="http://schemas.microsoft.com/office/powerpoint/2010/main" val="2001073525"/>
+        <p14:creationId xmlns:p14="http://schemas.microsoft.com/office/powerpoint/2010/main" val="3048946655"/>
       </p:ext>
     </p:extLst>
   </p:cSld>
